--- a/K-TASTE/K-Taste.pptx
+++ b/K-TASTE/K-Taste.pptx
@@ -5,7 +5,7 @@
     <p:sldMasterId id="2147483659" r:id="rId1"/>
   </p:sldMasterIdLst>
   <p:notesMasterIdLst>
-    <p:notesMasterId r:id="rId17"/>
+    <p:notesMasterId r:id="rId19"/>
   </p:notesMasterIdLst>
   <p:sldIdLst>
     <p:sldId id="256" r:id="rId2"/>
@@ -14,15 +14,17 @@
     <p:sldId id="259" r:id="rId5"/>
     <p:sldId id="260" r:id="rId6"/>
     <p:sldId id="261" r:id="rId7"/>
-    <p:sldId id="262" r:id="rId8"/>
-    <p:sldId id="263" r:id="rId9"/>
-    <p:sldId id="264" r:id="rId10"/>
-    <p:sldId id="265" r:id="rId11"/>
-    <p:sldId id="266" r:id="rId12"/>
-    <p:sldId id="267" r:id="rId13"/>
-    <p:sldId id="268" r:id="rId14"/>
-    <p:sldId id="269" r:id="rId15"/>
-    <p:sldId id="270" r:id="rId16"/>
+    <p:sldId id="271" r:id="rId8"/>
+    <p:sldId id="272" r:id="rId9"/>
+    <p:sldId id="262" r:id="rId10"/>
+    <p:sldId id="263" r:id="rId11"/>
+    <p:sldId id="264" r:id="rId12"/>
+    <p:sldId id="265" r:id="rId13"/>
+    <p:sldId id="266" r:id="rId14"/>
+    <p:sldId id="267" r:id="rId15"/>
+    <p:sldId id="268" r:id="rId16"/>
+    <p:sldId id="269" r:id="rId17"/>
+    <p:sldId id="270" r:id="rId18"/>
   </p:sldIdLst>
   <p:sldSz cx="9144000" cy="5143500" type="screen16x9"/>
   <p:notesSz cx="6858000" cy="9144000"/>
@@ -10541,10 +10543,515 @@
   <p:clrMapOvr>
     <a:masterClrMapping/>
   </p:clrMapOvr>
+  <p:timing>
+    <p:tnLst>
+      <p:par>
+        <p:cTn id="1" dur="indefinite" restart="never" nodeType="tmRoot"/>
+      </p:par>
+    </p:tnLst>
+  </p:timing>
 </p:sld>
 </file>
 
 <file path=ppt/slides/slide10.xml><?xml version="1.0" encoding="utf-8"?>
+<p:sld xmlns:a="http://schemas.openxmlformats.org/drawingml/2006/main" xmlns:r="http://schemas.openxmlformats.org/officeDocument/2006/relationships" xmlns:p="http://schemas.openxmlformats.org/presentationml/2006/main">
+  <p:cSld>
+    <p:spTree>
+      <p:nvGrpSpPr>
+        <p:cNvPr id="1" name="Shape 96"/>
+        <p:cNvGrpSpPr/>
+        <p:nvPr/>
+      </p:nvGrpSpPr>
+      <p:grpSpPr>
+        <a:xfrm>
+          <a:off x="0" y="0"/>
+          <a:ext cx="0" cy="0"/>
+          <a:chOff x="0" y="0"/>
+          <a:chExt cx="0" cy="0"/>
+        </a:xfrm>
+      </p:grpSpPr>
+      <p:sp>
+        <p:nvSpPr>
+          <p:cNvPr id="97" name="Google Shape;97;p20"/>
+          <p:cNvSpPr txBox="1">
+            <a:spLocks noGrp="1"/>
+          </p:cNvSpPr>
+          <p:nvPr>
+            <p:ph type="title"/>
+          </p:nvPr>
+        </p:nvSpPr>
+        <p:spPr>
+          <a:prstGeom prst="rect">
+            <a:avLst/>
+          </a:prstGeom>
+          <a:noFill/>
+          <a:ln>
+            <a:noFill/>
+          </a:ln>
+        </p:spPr>
+        <p:txBody>
+          <a:bodyPr spcFirstLastPara="1" wrap="square" lIns="91425" tIns="91425" rIns="91425" bIns="91425" anchor="t" anchorCtr="0">
+            <a:normAutofit fontScale="90000"/>
+          </a:bodyPr>
+          <a:lstStyle/>
+          <a:p>
+            <a:pPr marL="0" lvl="0" indent="0" algn="l" rtl="0">
+              <a:lnSpc>
+                <a:spcPct val="100000"/>
+              </a:lnSpc>
+              <a:spcBef>
+                <a:spcPts val="0"/>
+              </a:spcBef>
+              <a:spcAft>
+                <a:spcPts val="0"/>
+              </a:spcAft>
+              <a:buSzPct val="111111"/>
+              <a:buNone/>
+            </a:pPr>
+            <a:r>
+              <a:rPr lang="ko" dirty="0"/>
+              <a:t>login_screen</a:t>
+            </a:r>
+            <a:endParaRPr dirty="0"/>
+          </a:p>
+        </p:txBody>
+      </p:sp>
+      <p:sp>
+        <p:nvSpPr>
+          <p:cNvPr id="98" name="Google Shape;98;p20"/>
+          <p:cNvSpPr txBox="1">
+            <a:spLocks noGrp="1"/>
+          </p:cNvSpPr>
+          <p:nvPr>
+            <p:ph type="body" idx="1"/>
+          </p:nvPr>
+        </p:nvSpPr>
+        <p:spPr>
+          <a:prstGeom prst="rect">
+            <a:avLst/>
+          </a:prstGeom>
+          <a:noFill/>
+          <a:ln>
+            <a:noFill/>
+          </a:ln>
+        </p:spPr>
+        <p:txBody>
+          <a:bodyPr spcFirstLastPara="1" wrap="square" lIns="91425" tIns="91425" rIns="91425" bIns="91425" anchor="t" anchorCtr="0">
+            <a:normAutofit/>
+          </a:bodyPr>
+          <a:lstStyle/>
+          <a:p>
+            <a:pPr marL="285750" indent="-285750"/>
+            <a:r>
+              <a:rPr lang="ko" sz="1400" dirty="0">
+                <a:solidFill>
+                  <a:schemeClr val="dk1"/>
+                </a:solidFill>
+              </a:rPr>
+              <a:t>이메일과 비밀번호를 통한 로그인 성공시 main_page(메인 화면)으로 이동</a:t>
+            </a:r>
+            <a:endParaRPr sz="1400" dirty="0">
+              <a:solidFill>
+                <a:srgbClr val="CC0000"/>
+              </a:solidFill>
+            </a:endParaRPr>
+          </a:p>
+          <a:p>
+            <a:pPr marL="285750" indent="-285750">
+              <a:spcBef>
+                <a:spcPts val="1200"/>
+              </a:spcBef>
+            </a:pPr>
+            <a:r>
+              <a:rPr lang="ko" sz="1400" dirty="0">
+                <a:solidFill>
+                  <a:schemeClr val="dk1"/>
+                </a:solidFill>
+              </a:rPr>
+              <a:t>자동로그인 체크박스 활성 시 다음 실행부터 로그인 정보 기억 </a:t>
+            </a:r>
+            <a:endParaRPr sz="1400" dirty="0" smtClean="0">
+              <a:solidFill>
+                <a:srgbClr val="CC0000"/>
+              </a:solidFill>
+            </a:endParaRPr>
+          </a:p>
+          <a:p>
+            <a:pPr marL="285750" indent="-285750">
+              <a:spcBef>
+                <a:spcPts val="1200"/>
+              </a:spcBef>
+            </a:pPr>
+            <a:r>
+              <a:rPr lang="ko" sz="1400" dirty="0" smtClean="0">
+                <a:solidFill>
+                  <a:schemeClr val="dk1"/>
+                </a:solidFill>
+              </a:rPr>
+              <a:t>계정이 </a:t>
+            </a:r>
+            <a:r>
+              <a:rPr lang="ko" sz="1400" dirty="0">
+                <a:solidFill>
+                  <a:schemeClr val="dk1"/>
+                </a:solidFill>
+              </a:rPr>
+              <a:t>없다면 회원가입 하기를 통해 signup_screen(회원가입 화면)으로 이동</a:t>
+            </a:r>
+            <a:endParaRPr sz="1400" dirty="0">
+              <a:solidFill>
+                <a:schemeClr val="dk1"/>
+              </a:solidFill>
+            </a:endParaRPr>
+          </a:p>
+          <a:p>
+            <a:pPr marL="0" lvl="0" indent="0" algn="l" rtl="0">
+              <a:lnSpc>
+                <a:spcPct val="115000"/>
+              </a:lnSpc>
+              <a:spcBef>
+                <a:spcPts val="1200"/>
+              </a:spcBef>
+              <a:spcAft>
+                <a:spcPts val="1200"/>
+              </a:spcAft>
+              <a:buNone/>
+            </a:pPr>
+            <a:endParaRPr sz="1400" dirty="0">
+              <a:solidFill>
+                <a:schemeClr val="dk1"/>
+              </a:solidFill>
+            </a:endParaRPr>
+          </a:p>
+        </p:txBody>
+      </p:sp>
+      <p:pic>
+        <p:nvPicPr>
+          <p:cNvPr id="3074" name="Picture 2" descr="https://soft-earthworm-9f2.notion.site/image/attachment%3Aa041cd62-3951-4e35-89b6-51cb41261d28%3Aktlogin.png?table=block&amp;id=2119e38a-e6ea-8082-827e-e2575726c19d&amp;spaceId=4846c544-bd5e-4949-b7ec-d9734a3c0870&amp;width=2000&amp;userId=&amp;cache=v2"/>
+          <p:cNvPicPr>
+            <a:picLocks noChangeAspect="1" noChangeArrowheads="1"/>
+          </p:cNvPicPr>
+          <p:nvPr/>
+        </p:nvPicPr>
+        <p:blipFill rotWithShape="1">
+          <a:blip r:embed="rId3">
+            <a:extLst>
+              <a:ext uri="{28A0092B-C50C-407E-A947-70E740481C1C}">
+                <a14:useLocalDpi xmlns:a14="http://schemas.microsoft.com/office/drawing/2010/main" val="0"/>
+              </a:ext>
+            </a:extLst>
+          </a:blip>
+          <a:srcRect l="1977" t="750" r="1" b="-1"/>
+          <a:stretch/>
+        </p:blipFill>
+        <p:spPr bwMode="auto">
+          <a:xfrm>
+            <a:off x="5829299" y="1122829"/>
+            <a:ext cx="1620371" cy="3560586"/>
+          </a:xfrm>
+          <a:prstGeom prst="roundRect">
+            <a:avLst>
+              <a:gd name="adj" fmla="val 8594"/>
+            </a:avLst>
+          </a:prstGeom>
+          <a:solidFill>
+            <a:srgbClr val="FFFFFF">
+              <a:shade val="85000"/>
+            </a:srgbClr>
+          </a:solidFill>
+          <a:ln>
+            <a:noFill/>
+          </a:ln>
+          <a:effectLst>
+            <a:reflection blurRad="12700" stA="38000" endPos="28000" dist="5000" dir="5400000" sy="-100000" algn="bl" rotWithShape="0"/>
+          </a:effectLst>
+          <a:extLst>
+            <a:ext uri="{909E8E84-426E-40DD-AFC4-6F175D3DCCD1}">
+              <a14:hiddenFill xmlns:a14="http://schemas.microsoft.com/office/drawing/2010/main">
+                <a:solidFill>
+                  <a:srgbClr val="FFFFFF"/>
+                </a:solidFill>
+              </a14:hiddenFill>
+            </a:ext>
+          </a:extLst>
+        </p:spPr>
+      </p:pic>
+    </p:spTree>
+  </p:cSld>
+  <p:clrMapOvr>
+    <a:masterClrMapping/>
+  </p:clrMapOvr>
+  <p:timing>
+    <p:tnLst>
+      <p:par>
+        <p:cTn id="1" dur="indefinite" restart="never" nodeType="tmRoot"/>
+      </p:par>
+    </p:tnLst>
+  </p:timing>
+</p:sld>
+</file>
+
+<file path=ppt/slides/slide11.xml><?xml version="1.0" encoding="utf-8"?>
+<p:sld xmlns:a="http://schemas.openxmlformats.org/drawingml/2006/main" xmlns:r="http://schemas.openxmlformats.org/officeDocument/2006/relationships" xmlns:p="http://schemas.openxmlformats.org/presentationml/2006/main">
+  <p:cSld>
+    <p:spTree>
+      <p:nvGrpSpPr>
+        <p:cNvPr id="1" name="Shape 102"/>
+        <p:cNvGrpSpPr/>
+        <p:nvPr/>
+      </p:nvGrpSpPr>
+      <p:grpSpPr>
+        <a:xfrm>
+          <a:off x="0" y="0"/>
+          <a:ext cx="0" cy="0"/>
+          <a:chOff x="0" y="0"/>
+          <a:chExt cx="0" cy="0"/>
+        </a:xfrm>
+      </p:grpSpPr>
+      <p:sp>
+        <p:nvSpPr>
+          <p:cNvPr id="103" name="Google Shape;103;p21"/>
+          <p:cNvSpPr txBox="1">
+            <a:spLocks noGrp="1"/>
+          </p:cNvSpPr>
+          <p:nvPr>
+            <p:ph type="title"/>
+          </p:nvPr>
+        </p:nvSpPr>
+        <p:spPr>
+          <a:prstGeom prst="rect">
+            <a:avLst/>
+          </a:prstGeom>
+          <a:noFill/>
+          <a:ln>
+            <a:noFill/>
+          </a:ln>
+        </p:spPr>
+        <p:txBody>
+          <a:bodyPr spcFirstLastPara="1" wrap="square" lIns="91425" tIns="91425" rIns="91425" bIns="91425" anchor="t" anchorCtr="0">
+            <a:normAutofit fontScale="90000"/>
+          </a:bodyPr>
+          <a:lstStyle/>
+          <a:p>
+            <a:pPr marL="0" lvl="0" indent="0" algn="l" rtl="0">
+              <a:lnSpc>
+                <a:spcPct val="100000"/>
+              </a:lnSpc>
+              <a:spcBef>
+                <a:spcPts val="0"/>
+              </a:spcBef>
+              <a:spcAft>
+                <a:spcPts val="0"/>
+              </a:spcAft>
+              <a:buSzPct val="111111"/>
+              <a:buNone/>
+            </a:pPr>
+            <a:r>
+              <a:rPr lang="ko"/>
+              <a:t>signup_screen</a:t>
+            </a:r>
+            <a:endParaRPr/>
+          </a:p>
+        </p:txBody>
+      </p:sp>
+      <p:sp>
+        <p:nvSpPr>
+          <p:cNvPr id="104" name="Google Shape;104;p21"/>
+          <p:cNvSpPr txBox="1">
+            <a:spLocks noGrp="1"/>
+          </p:cNvSpPr>
+          <p:nvPr>
+            <p:ph type="body" idx="1"/>
+          </p:nvPr>
+        </p:nvSpPr>
+        <p:spPr>
+          <a:prstGeom prst="rect">
+            <a:avLst/>
+          </a:prstGeom>
+          <a:noFill/>
+          <a:ln>
+            <a:noFill/>
+          </a:ln>
+        </p:spPr>
+        <p:txBody>
+          <a:bodyPr spcFirstLastPara="1" wrap="square" lIns="91425" tIns="91425" rIns="91425" bIns="91425" anchor="t" anchorCtr="0">
+            <a:normAutofit/>
+          </a:bodyPr>
+          <a:lstStyle/>
+          <a:p>
+            <a:pPr marL="285750" indent="-285750"/>
+            <a:r>
+              <a:rPr lang="ko" sz="1400" dirty="0">
+                <a:solidFill>
+                  <a:schemeClr val="dk1"/>
+                </a:solidFill>
+              </a:rPr>
+              <a:t>이메일과 비밀번호를 입력받고 회원가입 버튼을 누르면 Firebase의 서버에 저장됨</a:t>
+            </a:r>
+            <a:endParaRPr sz="1400" dirty="0">
+              <a:solidFill>
+                <a:schemeClr val="dk1"/>
+              </a:solidFill>
+            </a:endParaRPr>
+          </a:p>
+          <a:p>
+            <a:pPr marL="285750" indent="-285750">
+              <a:spcBef>
+                <a:spcPts val="1200"/>
+              </a:spcBef>
+            </a:pPr>
+            <a:r>
+              <a:rPr lang="ko" sz="1400" dirty="0">
+                <a:solidFill>
+                  <a:schemeClr val="dk1"/>
+                </a:solidFill>
+              </a:rPr>
+              <a:t>계정이 생성되었다면  계정 생성 완료를 alert창을 통해 </a:t>
+            </a:r>
+            <a:r>
+              <a:rPr lang="ko" sz="1400" dirty="0" smtClean="0">
+                <a:solidFill>
+                  <a:schemeClr val="dk1"/>
+                </a:solidFill>
+              </a:rPr>
+              <a:t>알림</a:t>
+            </a:r>
+            <a:endParaRPr lang="en-US" altLang="ko" sz="1400" dirty="0">
+              <a:solidFill>
+                <a:schemeClr val="dk1"/>
+              </a:solidFill>
+            </a:endParaRPr>
+          </a:p>
+          <a:p>
+            <a:pPr marL="285750" indent="-285750">
+              <a:spcBef>
+                <a:spcPts val="1200"/>
+              </a:spcBef>
+            </a:pPr>
+            <a:r>
+              <a:rPr lang="ko" sz="1400" dirty="0" smtClean="0">
+                <a:solidFill>
+                  <a:schemeClr val="dk1"/>
+                </a:solidFill>
+              </a:rPr>
+              <a:t>확인 </a:t>
+            </a:r>
+            <a:r>
+              <a:rPr lang="ko" sz="1400" dirty="0">
+                <a:solidFill>
+                  <a:schemeClr val="dk1"/>
+                </a:solidFill>
+              </a:rPr>
+              <a:t>시 로그인을 위한 login_screen(로그인 화면)으로 이동 됨</a:t>
+            </a:r>
+            <a:endParaRPr sz="1400" dirty="0">
+              <a:solidFill>
+                <a:schemeClr val="dk1"/>
+              </a:solidFill>
+            </a:endParaRPr>
+          </a:p>
+        </p:txBody>
+      </p:sp>
+      <p:pic>
+        <p:nvPicPr>
+          <p:cNvPr id="3" name="그림 2"/>
+          <p:cNvPicPr>
+            <a:picLocks noChangeAspect="1"/>
+          </p:cNvPicPr>
+          <p:nvPr/>
+        </p:nvPicPr>
+        <p:blipFill>
+          <a:blip r:embed="rId3">
+            <a:extLst>
+              <a:ext uri="{28A0092B-C50C-407E-A947-70E740481C1C}">
+                <a14:useLocalDpi xmlns:a14="http://schemas.microsoft.com/office/drawing/2010/main" val="0"/>
+              </a:ext>
+            </a:extLst>
+          </a:blip>
+          <a:stretch>
+            <a:fillRect/>
+          </a:stretch>
+        </p:blipFill>
+        <p:spPr>
+          <a:xfrm>
+            <a:off x="6847225" y="1152475"/>
+            <a:ext cx="1660466" cy="3693969"/>
+          </a:xfrm>
+          <a:prstGeom prst="roundRect">
+            <a:avLst>
+              <a:gd name="adj" fmla="val 8594"/>
+            </a:avLst>
+          </a:prstGeom>
+          <a:solidFill>
+            <a:srgbClr val="FFFFFF">
+              <a:shade val="85000"/>
+            </a:srgbClr>
+          </a:solidFill>
+          <a:ln>
+            <a:noFill/>
+          </a:ln>
+          <a:effectLst>
+            <a:reflection blurRad="12700" stA="38000" endPos="28000" dist="5000" dir="5400000" sy="-100000" algn="bl" rotWithShape="0"/>
+          </a:effectLst>
+        </p:spPr>
+      </p:pic>
+      <p:pic>
+        <p:nvPicPr>
+          <p:cNvPr id="2050" name="Picture 2" descr="https://soft-earthworm-9f2.notion.site/image/attachment%3Aca0485ce-647d-4df9-9e71-cdbfecf20fc1%3AktFA.png?table=block&amp;id=2119e38a-e6ea-806b-9e69-c21efe7e1025&amp;spaceId=4846c544-bd5e-4949-b7ec-d9734a3c0870&amp;width=2000&amp;userId=&amp;cache=v2"/>
+          <p:cNvPicPr>
+            <a:picLocks noChangeAspect="1" noChangeArrowheads="1"/>
+          </p:cNvPicPr>
+          <p:nvPr/>
+        </p:nvPicPr>
+        <p:blipFill>
+          <a:blip r:embed="rId4">
+            <a:extLst>
+              <a:ext uri="{28A0092B-C50C-407E-A947-70E740481C1C}">
+                <a14:useLocalDpi xmlns:a14="http://schemas.microsoft.com/office/drawing/2010/main" val="0"/>
+              </a:ext>
+            </a:extLst>
+          </a:blip>
+          <a:srcRect/>
+          <a:stretch>
+            <a:fillRect/>
+          </a:stretch>
+        </p:blipFill>
+        <p:spPr bwMode="auto">
+          <a:xfrm>
+            <a:off x="1683300" y="3183481"/>
+            <a:ext cx="4798182" cy="1662963"/>
+          </a:xfrm>
+          <a:prstGeom prst="rect">
+            <a:avLst/>
+          </a:prstGeom>
+          <a:noFill/>
+          <a:extLst>
+            <a:ext uri="{909E8E84-426E-40DD-AFC4-6F175D3DCCD1}">
+              <a14:hiddenFill xmlns:a14="http://schemas.microsoft.com/office/drawing/2010/main">
+                <a:solidFill>
+                  <a:srgbClr val="FFFFFF"/>
+                </a:solidFill>
+              </a14:hiddenFill>
+            </a:ext>
+          </a:extLst>
+        </p:spPr>
+      </p:pic>
+    </p:spTree>
+  </p:cSld>
+  <p:clrMapOvr>
+    <a:masterClrMapping/>
+  </p:clrMapOvr>
+  <p:timing>
+    <p:tnLst>
+      <p:par>
+        <p:cTn id="1" dur="indefinite" restart="never" nodeType="tmRoot"/>
+      </p:par>
+    </p:tnLst>
+  </p:timing>
+</p:sld>
+</file>
+
+<file path=ppt/slides/slide12.xml><?xml version="1.0" encoding="utf-8"?>
 <p:sld xmlns:a="http://schemas.openxmlformats.org/drawingml/2006/main" xmlns:r="http://schemas.openxmlformats.org/officeDocument/2006/relationships" xmlns:p="http://schemas.openxmlformats.org/presentationml/2006/main">
   <p:cSld>
     <p:spTree>
@@ -10572,10 +11079,6 @@
           </p:nvPr>
         </p:nvSpPr>
         <p:spPr>
-          <a:xfrm>
-            <a:off x="311700" y="445025"/>
-            <a:ext cx="8520600" cy="572700"/>
-          </a:xfrm>
           <a:prstGeom prst="rect">
             <a:avLst/>
           </a:prstGeom>
@@ -10604,10 +11107,10 @@
               <a:buNone/>
             </a:pPr>
             <a:r>
-              <a:rPr lang="ko"/>
+              <a:rPr lang="ko" dirty="0"/>
               <a:t>main_page</a:t>
             </a:r>
-            <a:endParaRPr/>
+            <a:endParaRPr dirty="0"/>
           </a:p>
         </p:txBody>
       </p:sp>
@@ -10622,10 +11125,6 @@
           </p:nvPr>
         </p:nvSpPr>
         <p:spPr>
-          <a:xfrm>
-            <a:off x="311700" y="1152475"/>
-            <a:ext cx="8520600" cy="3416400"/>
-          </a:xfrm>
           <a:prstGeom prst="rect">
             <a:avLst/>
           </a:prstGeom>
@@ -10640,18 +11139,7 @@
           </a:bodyPr>
           <a:lstStyle/>
           <a:p>
-            <a:pPr marL="0" lvl="0" indent="0" algn="l" rtl="0">
-              <a:lnSpc>
-                <a:spcPct val="115000"/>
-              </a:lnSpc>
-              <a:spcBef>
-                <a:spcPts val="0"/>
-              </a:spcBef>
-              <a:spcAft>
-                <a:spcPts val="0"/>
-              </a:spcAft>
-              <a:buNone/>
-            </a:pPr>
+            <a:pPr marL="285750" indent="-285750"/>
             <a:r>
               <a:rPr lang="ko" sz="1400" dirty="0">
                 <a:solidFill>
@@ -10667,17 +11155,10 @@
             </a:endParaRPr>
           </a:p>
           <a:p>
-            <a:pPr marL="0" lvl="0" indent="0" algn="l" rtl="0">
-              <a:lnSpc>
-                <a:spcPct val="115000"/>
-              </a:lnSpc>
+            <a:pPr marL="285750" indent="-285750">
               <a:spcBef>
                 <a:spcPts val="1200"/>
               </a:spcBef>
-              <a:spcAft>
-                <a:spcPts val="0"/>
-              </a:spcAft>
-              <a:buNone/>
             </a:pPr>
             <a:r>
               <a:rPr lang="ko" sz="1400" dirty="0">
@@ -10718,17 +11199,13 @@
             </a:endParaRPr>
           </a:p>
           <a:p>
-            <a:pPr marL="0" lvl="0" indent="0" algn="l" rtl="0">
-              <a:lnSpc>
-                <a:spcPct val="115000"/>
-              </a:lnSpc>
+            <a:pPr marL="285750" indent="-285750">
               <a:spcBef>
                 <a:spcPts val="1200"/>
               </a:spcBef>
               <a:spcAft>
                 <a:spcPts val="1200"/>
               </a:spcAft>
-              <a:buNone/>
             </a:pPr>
             <a:r>
               <a:rPr lang="ko" sz="1400" dirty="0">
@@ -10746,15 +11223,76 @@
           </a:p>
         </p:txBody>
       </p:sp>
+      <p:pic>
+        <p:nvPicPr>
+          <p:cNvPr id="2" name="그림 1"/>
+          <p:cNvPicPr>
+            <a:picLocks noChangeAspect="1"/>
+          </p:cNvPicPr>
+          <p:nvPr/>
+        </p:nvPicPr>
+        <p:blipFill>
+          <a:blip r:embed="rId3"/>
+          <a:stretch>
+            <a:fillRect/>
+          </a:stretch>
+        </p:blipFill>
+        <p:spPr>
+          <a:xfrm>
+            <a:off x="5013828" y="2016452"/>
+            <a:ext cx="3486637" cy="666843"/>
+          </a:xfrm>
+          <a:prstGeom prst="rect">
+            <a:avLst/>
+          </a:prstGeom>
+          <a:solidFill>
+            <a:srgbClr val="FFFFFF">
+              <a:shade val="85000"/>
+            </a:srgbClr>
+          </a:solidFill>
+          <a:ln w="88900" cap="sq">
+            <a:solidFill>
+              <a:srgbClr val="FFFFFF"/>
+            </a:solidFill>
+            <a:miter lim="800000"/>
+          </a:ln>
+          <a:effectLst>
+            <a:outerShdw blurRad="55000" dist="18000" dir="5400000" algn="tl" rotWithShape="0">
+              <a:srgbClr val="000000">
+                <a:alpha val="40000"/>
+              </a:srgbClr>
+            </a:outerShdw>
+          </a:effectLst>
+          <a:scene3d>
+            <a:camera prst="orthographicFront"/>
+            <a:lightRig rig="twoPt" dir="t">
+              <a:rot lat="0" lon="0" rev="7200000"/>
+            </a:lightRig>
+          </a:scene3d>
+          <a:sp3d>
+            <a:bevelT w="25400" h="19050"/>
+            <a:contourClr>
+              <a:srgbClr val="FFFFFF"/>
+            </a:contourClr>
+          </a:sp3d>
+        </p:spPr>
+      </p:pic>
     </p:spTree>
   </p:cSld>
   <p:clrMapOvr>
     <a:masterClrMapping/>
   </p:clrMapOvr>
+  <p:timing>
+    <p:tnLst>
+      <p:par>
+        <p:cTn id="1" dur="indefinite" restart="never" nodeType="tmRoot"/>
+      </p:par>
+    </p:tnLst>
+  </p:timing>
 </p:sld>
 </file>
 
-<file path=ppt/slides/slide11.xml><?xml version="1.0" encoding="utf-8"?>
+<file path=ppt/slides/slide13.xml><?xml version="1.0" encoding="utf-8"?>
 <p:sld xmlns:a="http://schemas.openxmlformats.org/drawingml/2006/main" xmlns:r="http://schemas.openxmlformats.org/officeDocument/2006/relationships" xmlns:p="http://schemas.openxmlformats.org/presentationml/2006/main">
   <p:cSld>
     <p:spTree>
@@ -10782,10 +11320,6 @@
           </p:nvPr>
         </p:nvSpPr>
         <p:spPr>
-          <a:xfrm>
-            <a:off x="311700" y="445025"/>
-            <a:ext cx="8520600" cy="572700"/>
-          </a:xfrm>
           <a:prstGeom prst="rect">
             <a:avLst/>
           </a:prstGeom>
@@ -10832,10 +11366,6 @@
           </p:nvPr>
         </p:nvSpPr>
         <p:spPr>
-          <a:xfrm>
-            <a:off x="311700" y="1152475"/>
-            <a:ext cx="8520600" cy="3416400"/>
-          </a:xfrm>
           <a:prstGeom prst="rect">
             <a:avLst/>
           </a:prstGeom>
@@ -10850,18 +11380,7 @@
           </a:bodyPr>
           <a:lstStyle/>
           <a:p>
-            <a:pPr marL="0" lvl="0" indent="0" algn="l" rtl="0">
-              <a:lnSpc>
-                <a:spcPct val="115000"/>
-              </a:lnSpc>
-              <a:spcBef>
-                <a:spcPts val="0"/>
-              </a:spcBef>
-              <a:spcAft>
-                <a:spcPts val="0"/>
-              </a:spcAft>
-              <a:buNone/>
-            </a:pPr>
+            <a:pPr marL="285750" indent="-285750"/>
             <a:r>
               <a:rPr lang="ko" sz="1400" dirty="0">
                 <a:solidFill>
@@ -10877,17 +11396,10 @@
             </a:endParaRPr>
           </a:p>
           <a:p>
-            <a:pPr marL="0" lvl="0" indent="0" algn="l" rtl="0">
-              <a:lnSpc>
-                <a:spcPct val="115000"/>
-              </a:lnSpc>
+            <a:pPr marL="285750" indent="-285750">
               <a:spcBef>
                 <a:spcPts val="1200"/>
               </a:spcBef>
-              <a:spcAft>
-                <a:spcPts val="0"/>
-              </a:spcAft>
-              <a:buNone/>
             </a:pPr>
             <a:r>
               <a:rPr lang="ko" sz="1400" dirty="0">
@@ -10904,17 +11416,10 @@
             </a:endParaRPr>
           </a:p>
           <a:p>
-            <a:pPr marL="0" lvl="0" indent="0" algn="l" rtl="0">
-              <a:lnSpc>
-                <a:spcPct val="115000"/>
-              </a:lnSpc>
+            <a:pPr marL="285750" indent="-285750">
               <a:spcBef>
                 <a:spcPts val="1200"/>
               </a:spcBef>
-              <a:spcAft>
-                <a:spcPts val="0"/>
-              </a:spcAft>
-              <a:buNone/>
             </a:pPr>
             <a:r>
               <a:rPr lang="ko" sz="1400" dirty="0">
@@ -10931,17 +11436,10 @@
             </a:endParaRPr>
           </a:p>
           <a:p>
-            <a:pPr marL="0" lvl="0" indent="0" algn="l" rtl="0">
-              <a:lnSpc>
-                <a:spcPct val="115000"/>
-              </a:lnSpc>
+            <a:pPr marL="285750" indent="-285750">
               <a:spcBef>
                 <a:spcPts val="1200"/>
               </a:spcBef>
-              <a:spcAft>
-                <a:spcPts val="0"/>
-              </a:spcAft>
-              <a:buNone/>
             </a:pPr>
             <a:r>
               <a:rPr lang="ko" sz="1400" dirty="0">
@@ -10958,17 +11456,10 @@
             </a:endParaRPr>
           </a:p>
           <a:p>
-            <a:pPr marL="0" lvl="0" indent="0" algn="l" rtl="0">
-              <a:lnSpc>
-                <a:spcPct val="115000"/>
-              </a:lnSpc>
+            <a:pPr marL="285750" indent="-285750">
               <a:spcBef>
                 <a:spcPts val="1200"/>
               </a:spcBef>
-              <a:spcAft>
-                <a:spcPts val="0"/>
-              </a:spcAft>
-              <a:buNone/>
             </a:pPr>
             <a:r>
               <a:rPr lang="ko" sz="1400" dirty="0">
@@ -11040,21 +11531,13 @@
             </a:endParaRPr>
           </a:p>
           <a:p>
-            <a:pPr marL="139700" lvl="0" indent="0" algn="l" rtl="0">
-              <a:lnSpc>
-                <a:spcPct val="115000"/>
-              </a:lnSpc>
+            <a:pPr>
               <a:spcBef>
                 <a:spcPts val="1200"/>
               </a:spcBef>
-              <a:spcAft>
-                <a:spcPts val="0"/>
-              </a:spcAft>
               <a:buClr>
                 <a:srgbClr val="CC0000"/>
               </a:buClr>
-              <a:buSzPts val="1400"/>
-              <a:buNone/>
             </a:pPr>
             <a:endParaRPr sz="1400" dirty="0">
               <a:solidFill>
@@ -11063,17 +11546,10 @@
             </a:endParaRPr>
           </a:p>
           <a:p>
-            <a:pPr marL="0" lvl="0" indent="0" algn="l" rtl="0">
-              <a:lnSpc>
-                <a:spcPct val="115000"/>
-              </a:lnSpc>
+            <a:pPr marL="285750" indent="-285750">
               <a:spcBef>
                 <a:spcPts val="1200"/>
               </a:spcBef>
-              <a:spcAft>
-                <a:spcPts val="0"/>
-              </a:spcAft>
-              <a:buNone/>
             </a:pPr>
             <a:endParaRPr sz="1400" dirty="0">
               <a:solidFill>
@@ -11082,17 +11558,10 @@
             </a:endParaRPr>
           </a:p>
           <a:p>
-            <a:pPr marL="0" lvl="0" indent="0" algn="l" rtl="0">
-              <a:lnSpc>
-                <a:spcPct val="115000"/>
-              </a:lnSpc>
+            <a:pPr marL="285750" indent="-285750">
               <a:spcBef>
                 <a:spcPts val="1200"/>
               </a:spcBef>
-              <a:spcAft>
-                <a:spcPts val="0"/>
-              </a:spcAft>
-              <a:buNone/>
             </a:pPr>
             <a:endParaRPr sz="1400" dirty="0">
               <a:solidFill>
@@ -11101,17 +11570,13 @@
             </a:endParaRPr>
           </a:p>
           <a:p>
-            <a:pPr marL="0" lvl="0" indent="0" algn="l" rtl="0">
-              <a:lnSpc>
-                <a:spcPct val="115000"/>
-              </a:lnSpc>
+            <a:pPr marL="285750" indent="-285750">
               <a:spcBef>
                 <a:spcPts val="1200"/>
               </a:spcBef>
               <a:spcAft>
                 <a:spcPts val="1200"/>
               </a:spcAft>
-              <a:buNone/>
             </a:pPr>
             <a:endParaRPr sz="1400" dirty="0">
               <a:solidFill>
@@ -11121,15 +11586,61 @@
           </a:p>
         </p:txBody>
       </p:sp>
+      <p:pic>
+        <p:nvPicPr>
+          <p:cNvPr id="4098" name="Picture 2" descr="https://soft-earthworm-9f2.notion.site/image/attachment%3Aa2dbeb7b-479f-4b66-a162-858e7b3db8a5%3Akthome.png?table=block&amp;id=2119e38a-e6ea-80a5-b17d-c8645584f584&amp;spaceId=4846c544-bd5e-4949-b7ec-d9734a3c0870&amp;width=2000&amp;userId=&amp;cache=v2"/>
+          <p:cNvPicPr>
+            <a:picLocks noChangeAspect="1" noChangeArrowheads="1"/>
+          </p:cNvPicPr>
+          <p:nvPr/>
+        </p:nvPicPr>
+        <p:blipFill rotWithShape="1">
+          <a:blip r:embed="rId3">
+            <a:extLst>
+              <a:ext uri="{28A0092B-C50C-407E-A947-70E740481C1C}">
+                <a14:useLocalDpi xmlns:a14="http://schemas.microsoft.com/office/drawing/2010/main" val="0"/>
+              </a:ext>
+            </a:extLst>
+          </a:blip>
+          <a:srcRect l="1543" t="519" b="-1"/>
+          <a:stretch/>
+        </p:blipFill>
+        <p:spPr bwMode="auto">
+          <a:xfrm>
+            <a:off x="5637411" y="1152474"/>
+            <a:ext cx="1576936" cy="3532699"/>
+          </a:xfrm>
+          <a:prstGeom prst="rect">
+            <a:avLst/>
+          </a:prstGeom>
+          <a:noFill/>
+          <a:extLst>
+            <a:ext uri="{909E8E84-426E-40DD-AFC4-6F175D3DCCD1}">
+              <a14:hiddenFill xmlns:a14="http://schemas.microsoft.com/office/drawing/2010/main">
+                <a:solidFill>
+                  <a:srgbClr val="FFFFFF"/>
+                </a:solidFill>
+              </a14:hiddenFill>
+            </a:ext>
+          </a:extLst>
+        </p:spPr>
+      </p:pic>
     </p:spTree>
   </p:cSld>
   <p:clrMapOvr>
     <a:masterClrMapping/>
   </p:clrMapOvr>
+  <p:timing>
+    <p:tnLst>
+      <p:par>
+        <p:cTn id="1" dur="indefinite" restart="never" nodeType="tmRoot"/>
+      </p:par>
+    </p:tnLst>
+  </p:timing>
 </p:sld>
 </file>
 
-<file path=ppt/slides/slide12.xml><?xml version="1.0" encoding="utf-8"?>
+<file path=ppt/slides/slide14.xml><?xml version="1.0" encoding="utf-8"?>
 <p:sld xmlns:a="http://schemas.openxmlformats.org/drawingml/2006/main" xmlns:r="http://schemas.openxmlformats.org/officeDocument/2006/relationships" xmlns:p="http://schemas.openxmlformats.org/presentationml/2006/main">
   <p:cSld>
     <p:spTree>
@@ -11157,10 +11668,6 @@
           </p:nvPr>
         </p:nvSpPr>
         <p:spPr>
-          <a:xfrm>
-            <a:off x="311700" y="445025"/>
-            <a:ext cx="8520600" cy="572700"/>
-          </a:xfrm>
           <a:prstGeom prst="rect">
             <a:avLst/>
           </a:prstGeom>
@@ -11219,10 +11726,6 @@
           </p:nvPr>
         </p:nvSpPr>
         <p:spPr>
-          <a:xfrm>
-            <a:off x="311700" y="1152475"/>
-            <a:ext cx="8520600" cy="3416400"/>
-          </a:xfrm>
           <a:prstGeom prst="rect">
             <a:avLst/>
           </a:prstGeom>
@@ -11233,22 +11736,11 @@
         </p:spPr>
         <p:txBody>
           <a:bodyPr spcFirstLastPara="1" wrap="square" lIns="91425" tIns="91425" rIns="91425" bIns="91425" anchor="t" anchorCtr="0">
-            <a:normAutofit/>
+            <a:normAutofit lnSpcReduction="10000"/>
           </a:bodyPr>
           <a:lstStyle/>
           <a:p>
-            <a:pPr marL="0" lvl="0" indent="0" algn="l" rtl="0">
-              <a:lnSpc>
-                <a:spcPct val="115000"/>
-              </a:lnSpc>
-              <a:spcBef>
-                <a:spcPts val="0"/>
-              </a:spcBef>
-              <a:spcAft>
-                <a:spcPts val="0"/>
-              </a:spcAft>
-              <a:buNone/>
-            </a:pPr>
+            <a:pPr marL="285750" indent="-285750"/>
             <a:r>
               <a:rPr lang="ko" sz="1400" dirty="0">
                 <a:solidFill>
@@ -11264,17 +11756,10 @@
             </a:endParaRPr>
           </a:p>
           <a:p>
-            <a:pPr marL="0" lvl="0" indent="0" algn="l" rtl="0">
-              <a:lnSpc>
-                <a:spcPct val="115000"/>
-              </a:lnSpc>
+            <a:pPr marL="285750" indent="-285750">
               <a:spcBef>
                 <a:spcPts val="1200"/>
               </a:spcBef>
-              <a:spcAft>
-                <a:spcPts val="0"/>
-              </a:spcAft>
-              <a:buNone/>
             </a:pPr>
             <a:r>
               <a:rPr lang="ko" sz="1400" dirty="0">
@@ -11291,17 +11776,10 @@
             </a:endParaRPr>
           </a:p>
           <a:p>
-            <a:pPr marL="0" lvl="0" indent="0" algn="l" rtl="0">
-              <a:lnSpc>
-                <a:spcPct val="115000"/>
-              </a:lnSpc>
+            <a:pPr marL="285750" indent="-285750">
               <a:spcBef>
                 <a:spcPts val="1200"/>
               </a:spcBef>
-              <a:spcAft>
-                <a:spcPts val="0"/>
-              </a:spcAft>
-              <a:buNone/>
             </a:pPr>
             <a:r>
               <a:rPr lang="ko" sz="1400" dirty="0">
@@ -11318,17 +11796,10 @@
             </a:endParaRPr>
           </a:p>
           <a:p>
-            <a:pPr marL="0" lvl="0" indent="0" algn="l" rtl="0">
-              <a:lnSpc>
-                <a:spcPct val="115000"/>
-              </a:lnSpc>
+            <a:pPr marL="285750" indent="-285750">
               <a:spcBef>
                 <a:spcPts val="1200"/>
               </a:spcBef>
-              <a:spcAft>
-                <a:spcPts val="0"/>
-              </a:spcAft>
-              <a:buNone/>
             </a:pPr>
             <a:r>
               <a:rPr lang="ko" sz="1400" dirty="0">
@@ -11345,17 +11816,10 @@
             </a:endParaRPr>
           </a:p>
           <a:p>
-            <a:pPr marL="0" lvl="0" indent="0" algn="l" rtl="0">
-              <a:lnSpc>
-                <a:spcPct val="115000"/>
-              </a:lnSpc>
+            <a:pPr marL="285750" indent="-285750">
               <a:spcBef>
                 <a:spcPts val="1200"/>
               </a:spcBef>
-              <a:spcAft>
-                <a:spcPts val="0"/>
-              </a:spcAft>
-              <a:buNone/>
             </a:pPr>
             <a:r>
               <a:rPr lang="ko" sz="1400" dirty="0">
@@ -11450,17 +11914,10 @@
             </a:endParaRPr>
           </a:p>
           <a:p>
-            <a:pPr marL="0" lvl="0" indent="0" algn="l" rtl="0">
-              <a:lnSpc>
-                <a:spcPct val="115000"/>
-              </a:lnSpc>
+            <a:pPr marL="285750" indent="-285750">
               <a:spcBef>
                 <a:spcPts val="1200"/>
               </a:spcBef>
-              <a:spcAft>
-                <a:spcPts val="0"/>
-              </a:spcAft>
-              <a:buNone/>
             </a:pPr>
             <a:endParaRPr sz="1400" dirty="0">
               <a:solidFill>
@@ -11469,17 +11926,13 @@
             </a:endParaRPr>
           </a:p>
           <a:p>
-            <a:pPr marL="0" lvl="0" indent="0" algn="l" rtl="0">
-              <a:lnSpc>
-                <a:spcPct val="115000"/>
-              </a:lnSpc>
+            <a:pPr marL="285750" indent="-285750">
               <a:spcBef>
                 <a:spcPts val="1200"/>
               </a:spcBef>
               <a:spcAft>
                 <a:spcPts val="1200"/>
               </a:spcAft>
-              <a:buNone/>
             </a:pPr>
             <a:endParaRPr sz="1400" dirty="0">
               <a:solidFill>
@@ -11489,15 +11942,52 @@
           </a:p>
         </p:txBody>
       </p:sp>
+      <p:pic>
+        <p:nvPicPr>
+          <p:cNvPr id="3" name="그림 2"/>
+          <p:cNvPicPr>
+            <a:picLocks noChangeAspect="1"/>
+          </p:cNvPicPr>
+          <p:nvPr/>
+        </p:nvPicPr>
+        <p:blipFill>
+          <a:blip r:embed="rId3">
+            <a:extLst>
+              <a:ext uri="{28A0092B-C50C-407E-A947-70E740481C1C}">
+                <a14:useLocalDpi xmlns:a14="http://schemas.microsoft.com/office/drawing/2010/main" val="0"/>
+              </a:ext>
+            </a:extLst>
+          </a:blip>
+          <a:stretch>
+            <a:fillRect/>
+          </a:stretch>
+        </p:blipFill>
+        <p:spPr>
+          <a:xfrm>
+            <a:off x="5269532" y="1152475"/>
+            <a:ext cx="1527956" cy="3401362"/>
+          </a:xfrm>
+          <a:prstGeom prst="rect">
+            <a:avLst/>
+          </a:prstGeom>
+        </p:spPr>
+      </p:pic>
     </p:spTree>
   </p:cSld>
   <p:clrMapOvr>
     <a:masterClrMapping/>
   </p:clrMapOvr>
+  <p:timing>
+    <p:tnLst>
+      <p:par>
+        <p:cTn id="1" dur="indefinite" restart="never" nodeType="tmRoot"/>
+      </p:par>
+    </p:tnLst>
+  </p:timing>
 </p:sld>
 </file>
 
-<file path=ppt/slides/slide13.xml><?xml version="1.0" encoding="utf-8"?>
+<file path=ppt/slides/slide15.xml><?xml version="1.0" encoding="utf-8"?>
 <p:sld xmlns:a="http://schemas.openxmlformats.org/drawingml/2006/main" xmlns:r="http://schemas.openxmlformats.org/officeDocument/2006/relationships" xmlns:p="http://schemas.openxmlformats.org/presentationml/2006/main">
   <p:cSld>
     <p:spTree>
@@ -11525,10 +12015,6 @@
           </p:nvPr>
         </p:nvSpPr>
         <p:spPr>
-          <a:xfrm>
-            <a:off x="311700" y="445025"/>
-            <a:ext cx="8520600" cy="572700"/>
-          </a:xfrm>
           <a:prstGeom prst="rect">
             <a:avLst/>
           </a:prstGeom>
@@ -11603,10 +12089,6 @@
           </p:nvPr>
         </p:nvSpPr>
         <p:spPr>
-          <a:xfrm>
-            <a:off x="311700" y="1152475"/>
-            <a:ext cx="8520600" cy="3416400"/>
-          </a:xfrm>
           <a:prstGeom prst="rect">
             <a:avLst/>
           </a:prstGeom>
@@ -11621,18 +12103,7 @@
           </a:bodyPr>
           <a:lstStyle/>
           <a:p>
-            <a:pPr marL="0" lvl="0" indent="0" algn="l" rtl="0">
-              <a:lnSpc>
-                <a:spcPct val="115000"/>
-              </a:lnSpc>
-              <a:spcBef>
-                <a:spcPts val="0"/>
-              </a:spcBef>
-              <a:spcAft>
-                <a:spcPts val="0"/>
-              </a:spcAft>
-              <a:buNone/>
-            </a:pPr>
+            <a:pPr marL="285750" indent="-285750"/>
             <a:r>
               <a:rPr lang="ko" sz="1400" dirty="0">
                 <a:solidFill>
@@ -11648,17 +12119,10 @@
             </a:endParaRPr>
           </a:p>
           <a:p>
-            <a:pPr marL="0" lvl="0" indent="0" algn="l" rtl="0">
-              <a:lnSpc>
-                <a:spcPct val="115000"/>
-              </a:lnSpc>
+            <a:pPr marL="285750" indent="-285750">
               <a:spcBef>
                 <a:spcPts val="1200"/>
               </a:spcBef>
-              <a:spcAft>
-                <a:spcPts val="0"/>
-              </a:spcAft>
-              <a:buNone/>
             </a:pPr>
             <a:r>
               <a:rPr lang="ko" sz="1400" dirty="0">
@@ -11675,17 +12139,13 @@
             </a:endParaRPr>
           </a:p>
           <a:p>
-            <a:pPr marL="0" lvl="0" indent="0" algn="l" rtl="0">
-              <a:lnSpc>
-                <a:spcPct val="115000"/>
-              </a:lnSpc>
+            <a:pPr marL="285750" indent="-285750">
               <a:spcBef>
                 <a:spcPts val="1200"/>
               </a:spcBef>
               <a:spcAft>
                 <a:spcPts val="1200"/>
               </a:spcAft>
-              <a:buNone/>
             </a:pPr>
             <a:r>
               <a:rPr lang="ko" sz="1400" dirty="0">
@@ -11735,15 +12195,52 @@
           </a:p>
         </p:txBody>
       </p:sp>
+      <p:pic>
+        <p:nvPicPr>
+          <p:cNvPr id="3" name="그림 2"/>
+          <p:cNvPicPr>
+            <a:picLocks noChangeAspect="1"/>
+          </p:cNvPicPr>
+          <p:nvPr/>
+        </p:nvPicPr>
+        <p:blipFill>
+          <a:blip r:embed="rId3">
+            <a:extLst>
+              <a:ext uri="{28A0092B-C50C-407E-A947-70E740481C1C}">
+                <a14:useLocalDpi xmlns:a14="http://schemas.microsoft.com/office/drawing/2010/main" val="0"/>
+              </a:ext>
+            </a:extLst>
+          </a:blip>
+          <a:stretch>
+            <a:fillRect/>
+          </a:stretch>
+        </p:blipFill>
+        <p:spPr>
+          <a:xfrm>
+            <a:off x="5768009" y="1152475"/>
+            <a:ext cx="1407839" cy="3184201"/>
+          </a:xfrm>
+          <a:prstGeom prst="rect">
+            <a:avLst/>
+          </a:prstGeom>
+        </p:spPr>
+      </p:pic>
     </p:spTree>
   </p:cSld>
   <p:clrMapOvr>
     <a:masterClrMapping/>
   </p:clrMapOvr>
+  <p:timing>
+    <p:tnLst>
+      <p:par>
+        <p:cTn id="1" dur="indefinite" restart="never" nodeType="tmRoot"/>
+      </p:par>
+    </p:tnLst>
+  </p:timing>
 </p:sld>
 </file>
 
-<file path=ppt/slides/slide14.xml><?xml version="1.0" encoding="utf-8"?>
+<file path=ppt/slides/slide16.xml><?xml version="1.0" encoding="utf-8"?>
 <p:sld xmlns:a="http://schemas.openxmlformats.org/drawingml/2006/main" xmlns:r="http://schemas.openxmlformats.org/officeDocument/2006/relationships" xmlns:p="http://schemas.openxmlformats.org/presentationml/2006/main">
   <p:cSld>
     <p:spTree>
@@ -11771,10 +12268,6 @@
           </p:nvPr>
         </p:nvSpPr>
         <p:spPr>
-          <a:xfrm>
-            <a:off x="311700" y="445025"/>
-            <a:ext cx="8520600" cy="572700"/>
-          </a:xfrm>
           <a:prstGeom prst="rect">
             <a:avLst/>
           </a:prstGeom>
@@ -11833,10 +12326,6 @@
           </p:nvPr>
         </p:nvSpPr>
         <p:spPr>
-          <a:xfrm>
-            <a:off x="311700" y="1152475"/>
-            <a:ext cx="8520600" cy="3416400"/>
-          </a:xfrm>
           <a:prstGeom prst="rect">
             <a:avLst/>
           </a:prstGeom>
@@ -11847,22 +12336,11 @@
         </p:spPr>
         <p:txBody>
           <a:bodyPr spcFirstLastPara="1" wrap="square" lIns="91425" tIns="91425" rIns="91425" bIns="91425" anchor="t" anchorCtr="0">
-            <a:normAutofit/>
+            <a:normAutofit lnSpcReduction="10000"/>
           </a:bodyPr>
           <a:lstStyle/>
           <a:p>
-            <a:pPr marL="0" lvl="0" indent="0" algn="l" rtl="0">
-              <a:lnSpc>
-                <a:spcPct val="115000"/>
-              </a:lnSpc>
-              <a:spcBef>
-                <a:spcPts val="0"/>
-              </a:spcBef>
-              <a:spcAft>
-                <a:spcPts val="0"/>
-              </a:spcAft>
-              <a:buNone/>
-            </a:pPr>
+            <a:pPr marL="285750" indent="-285750"/>
             <a:r>
               <a:rPr lang="ko" sz="1400">
                 <a:solidFill>
@@ -11878,17 +12356,10 @@
             </a:endParaRPr>
           </a:p>
           <a:p>
-            <a:pPr marL="0" lvl="0" indent="0" algn="l" rtl="0">
-              <a:lnSpc>
-                <a:spcPct val="115000"/>
-              </a:lnSpc>
+            <a:pPr marL="285750" indent="-285750">
               <a:spcBef>
                 <a:spcPts val="1200"/>
               </a:spcBef>
-              <a:spcAft>
-                <a:spcPts val="0"/>
-              </a:spcAft>
-              <a:buNone/>
             </a:pPr>
             <a:r>
               <a:rPr lang="ko" sz="1400">
@@ -11905,17 +12376,10 @@
             </a:endParaRPr>
           </a:p>
           <a:p>
-            <a:pPr marL="0" lvl="0" indent="0" algn="l" rtl="0">
-              <a:lnSpc>
-                <a:spcPct val="115000"/>
-              </a:lnSpc>
+            <a:pPr marL="285750" indent="-285750">
               <a:spcBef>
                 <a:spcPts val="1200"/>
               </a:spcBef>
-              <a:spcAft>
-                <a:spcPts val="0"/>
-              </a:spcAft>
-              <a:buNone/>
             </a:pPr>
             <a:r>
               <a:rPr lang="ko" sz="1400">
@@ -11932,21 +12396,13 @@
             </a:endParaRPr>
           </a:p>
           <a:p>
-            <a:pPr marL="457200" lvl="0" indent="-317500" algn="l" rtl="0">
-              <a:lnSpc>
-                <a:spcPct val="115000"/>
-              </a:lnSpc>
+            <a:pPr>
               <a:spcBef>
                 <a:spcPts val="1200"/>
               </a:spcBef>
-              <a:spcAft>
-                <a:spcPts val="0"/>
-              </a:spcAft>
               <a:buClr>
                 <a:schemeClr val="dk1"/>
               </a:buClr>
-              <a:buSzPts val="1400"/>
-              <a:buAutoNum type="arabicPeriod"/>
             </a:pPr>
             <a:r>
               <a:rPr lang="ko" sz="1400">
@@ -11963,21 +12419,10 @@
             </a:endParaRPr>
           </a:p>
           <a:p>
-            <a:pPr marL="457200" lvl="0" indent="-317500" algn="l" rtl="0">
-              <a:lnSpc>
-                <a:spcPct val="115000"/>
-              </a:lnSpc>
-              <a:spcBef>
-                <a:spcPts val="0"/>
-              </a:spcBef>
-              <a:spcAft>
-                <a:spcPts val="0"/>
-              </a:spcAft>
+            <a:pPr>
               <a:buClr>
                 <a:schemeClr val="dk1"/>
               </a:buClr>
-              <a:buSzPts val="1400"/>
-              <a:buAutoNum type="arabicPeriod"/>
             </a:pPr>
             <a:r>
               <a:rPr lang="ko" sz="1400">
@@ -11994,21 +12439,10 @@
             </a:endParaRPr>
           </a:p>
           <a:p>
-            <a:pPr marL="457200" lvl="0" indent="-317500" algn="l" rtl="0">
-              <a:lnSpc>
-                <a:spcPct val="115000"/>
-              </a:lnSpc>
-              <a:spcBef>
-                <a:spcPts val="0"/>
-              </a:spcBef>
-              <a:spcAft>
-                <a:spcPts val="0"/>
-              </a:spcAft>
+            <a:pPr>
               <a:buClr>
                 <a:schemeClr val="dk1"/>
               </a:buClr>
-              <a:buSzPts val="1400"/>
-              <a:buAutoNum type="arabicPeriod"/>
             </a:pPr>
             <a:r>
               <a:rPr lang="ko" sz="1400">
@@ -12025,19 +12459,14 @@
             </a:endParaRPr>
           </a:p>
           <a:p>
-            <a:pPr marL="0" lvl="0" indent="0" algn="l" rtl="0">
+            <a:pPr marL="285750" indent="-285750">
               <a:spcBef>
                 <a:spcPts val="1200"/>
               </a:spcBef>
-              <a:spcAft>
-                <a:spcPts val="0"/>
-              </a:spcAft>
               <a:buClr>
                 <a:schemeClr val="dk1"/>
               </a:buClr>
               <a:buSzPts val="1100"/>
-              <a:buFont typeface="Arial"/>
-              <a:buNone/>
             </a:pPr>
             <a:r>
               <a:rPr lang="ko" sz="1400">
@@ -12054,17 +12483,13 @@
             </a:endParaRPr>
           </a:p>
           <a:p>
-            <a:pPr marL="0" lvl="0" indent="0" algn="l" rtl="0">
-              <a:lnSpc>
-                <a:spcPct val="115000"/>
-              </a:lnSpc>
+            <a:pPr marL="285750" indent="-285750">
               <a:spcBef>
                 <a:spcPts val="1200"/>
               </a:spcBef>
               <a:spcAft>
                 <a:spcPts val="1200"/>
               </a:spcAft>
-              <a:buNone/>
             </a:pPr>
             <a:endParaRPr sz="1400">
               <a:solidFill>
@@ -12074,15 +12499,52 @@
           </a:p>
         </p:txBody>
       </p:sp>
+      <p:pic>
+        <p:nvPicPr>
+          <p:cNvPr id="3" name="그림 2"/>
+          <p:cNvPicPr>
+            <a:picLocks noChangeAspect="1"/>
+          </p:cNvPicPr>
+          <p:nvPr/>
+        </p:nvPicPr>
+        <p:blipFill>
+          <a:blip r:embed="rId3">
+            <a:extLst>
+              <a:ext uri="{28A0092B-C50C-407E-A947-70E740481C1C}">
+                <a14:useLocalDpi xmlns:a14="http://schemas.microsoft.com/office/drawing/2010/main" val="0"/>
+              </a:ext>
+            </a:extLst>
+          </a:blip>
+          <a:stretch>
+            <a:fillRect/>
+          </a:stretch>
+        </p:blipFill>
+        <p:spPr>
+          <a:xfrm>
+            <a:off x="5595157" y="1082489"/>
+            <a:ext cx="1591717" cy="3543300"/>
+          </a:xfrm>
+          <a:prstGeom prst="rect">
+            <a:avLst/>
+          </a:prstGeom>
+        </p:spPr>
+      </p:pic>
     </p:spTree>
   </p:cSld>
   <p:clrMapOvr>
     <a:masterClrMapping/>
   </p:clrMapOvr>
+  <p:timing>
+    <p:tnLst>
+      <p:par>
+        <p:cTn id="1" dur="indefinite" restart="never" nodeType="tmRoot"/>
+      </p:par>
+    </p:tnLst>
+  </p:timing>
 </p:sld>
 </file>
 
-<file path=ppt/slides/slide15.xml><?xml version="1.0" encoding="utf-8"?>
+<file path=ppt/slides/slide17.xml><?xml version="1.0" encoding="utf-8"?>
 <p:sld xmlns:a="http://schemas.openxmlformats.org/drawingml/2006/main" xmlns:r="http://schemas.openxmlformats.org/officeDocument/2006/relationships" xmlns:p="http://schemas.openxmlformats.org/presentationml/2006/main">
   <p:cSld>
     <p:spTree>
@@ -12110,10 +12572,6 @@
           </p:nvPr>
         </p:nvSpPr>
         <p:spPr>
-          <a:xfrm>
-            <a:off x="311700" y="445025"/>
-            <a:ext cx="8520600" cy="572700"/>
-          </a:xfrm>
           <a:prstGeom prst="rect">
             <a:avLst/>
           </a:prstGeom>
@@ -12176,10 +12634,6 @@
           </p:nvPr>
         </p:nvSpPr>
         <p:spPr>
-          <a:xfrm>
-            <a:off x="311700" y="1152475"/>
-            <a:ext cx="8520600" cy="3416400"/>
-          </a:xfrm>
           <a:prstGeom prst="rect">
             <a:avLst/>
           </a:prstGeom>
@@ -12194,18 +12648,7 @@
           </a:bodyPr>
           <a:lstStyle/>
           <a:p>
-            <a:pPr marL="0" lvl="0" indent="0" algn="l" rtl="0">
-              <a:lnSpc>
-                <a:spcPct val="115000"/>
-              </a:lnSpc>
-              <a:spcBef>
-                <a:spcPts val="0"/>
-              </a:spcBef>
-              <a:spcAft>
-                <a:spcPts val="0"/>
-              </a:spcAft>
-              <a:buNone/>
-            </a:pPr>
+            <a:pPr marL="285750" indent="-285750"/>
             <a:r>
               <a:rPr lang="ko-KR" altLang="en-US" sz="1400" dirty="0" smtClean="0">
                 <a:solidFill>
@@ -12221,18 +12664,7 @@
             </a:endParaRPr>
           </a:p>
           <a:p>
-            <a:pPr marL="0" lvl="0" indent="0" algn="l" rtl="0">
-              <a:lnSpc>
-                <a:spcPct val="115000"/>
-              </a:lnSpc>
-              <a:spcBef>
-                <a:spcPts val="0"/>
-              </a:spcBef>
-              <a:spcAft>
-                <a:spcPts val="0"/>
-              </a:spcAft>
-              <a:buNone/>
-            </a:pPr>
+            <a:pPr marL="285750" indent="-285750"/>
             <a:endParaRPr lang="en-US" altLang="ko-KR" sz="1400" dirty="0">
               <a:solidFill>
                 <a:schemeClr val="dk1"/>
@@ -12240,18 +12672,7 @@
             </a:endParaRPr>
           </a:p>
           <a:p>
-            <a:pPr marL="0" lvl="0" indent="0" algn="l" rtl="0">
-              <a:lnSpc>
-                <a:spcPct val="115000"/>
-              </a:lnSpc>
-              <a:spcBef>
-                <a:spcPts val="0"/>
-              </a:spcBef>
-              <a:spcAft>
-                <a:spcPts val="0"/>
-              </a:spcAft>
-              <a:buNone/>
-            </a:pPr>
+            <a:pPr marL="285750" indent="-285750"/>
             <a:r>
               <a:rPr lang="ko-KR" altLang="en-US" sz="1400" dirty="0" smtClean="0">
                 <a:solidFill>
@@ -12269,6 +12690,22 @@
               <a:t>, </a:t>
             </a:r>
             <a:r>
+              <a:rPr lang="ko-KR" altLang="en-US" sz="1400" dirty="0" smtClean="0">
+                <a:solidFill>
+                  <a:schemeClr val="dk1"/>
+                </a:solidFill>
+              </a:rPr>
+              <a:t>로그아웃</a:t>
+            </a:r>
+            <a:r>
+              <a:rPr lang="en-US" altLang="ko-KR" sz="1400" dirty="0" smtClean="0">
+                <a:solidFill>
+                  <a:schemeClr val="dk1"/>
+                </a:solidFill>
+              </a:rPr>
+              <a:t>, </a:t>
+            </a:r>
+            <a:r>
               <a:rPr lang="ko-KR" altLang="en-US" sz="1400" dirty="0" err="1" smtClean="0">
                 <a:solidFill>
                   <a:schemeClr val="dk1"/>
@@ -12290,7 +12727,7 @@
                   <a:schemeClr val="dk1"/>
                 </a:solidFill>
               </a:rPr>
-              <a:t>고객지원 </a:t>
+              <a:t>고객지원 등의 다양한 개인 설정 기능이 </a:t>
             </a:r>
             <a:r>
               <a:rPr lang="ko-KR" altLang="en-US" sz="1400" dirty="0" smtClean="0">
@@ -12298,29 +12735,113 @@
                   <a:schemeClr val="dk1"/>
                 </a:solidFill>
               </a:rPr>
-              <a:t>등의 다양한 개인 설정 기능이 포함</a:t>
-            </a:r>
-            <a:r>
-              <a:rPr lang="en-US" altLang="ko-KR" sz="1400" dirty="0" smtClean="0">
+              <a:t>포함</a:t>
+            </a:r>
+            <a:endParaRPr lang="en-US" altLang="ko-KR" dirty="0">
+              <a:solidFill>
+                <a:schemeClr val="dk1"/>
+              </a:solidFill>
+            </a:endParaRPr>
+          </a:p>
+          <a:p>
+            <a:pPr marL="0" indent="0">
+              <a:buNone/>
+            </a:pPr>
+            <a:r>
+              <a:rPr lang="en-US" dirty="0">
                 <a:solidFill>
                   <a:schemeClr val="dk1"/>
                 </a:solidFill>
               </a:rPr>
               <a:t> </a:t>
             </a:r>
+            <a:r>
+              <a:rPr lang="en-US" dirty="0" smtClean="0">
+                <a:solidFill>
+                  <a:schemeClr val="dk1"/>
+                </a:solidFill>
+              </a:rPr>
+              <a:t>     </a:t>
+            </a:r>
+            <a:r>
+              <a:rPr lang="en-US" dirty="0" smtClean="0">
+                <a:solidFill>
+                  <a:srgbClr val="FF0000"/>
+                </a:solidFill>
+              </a:rPr>
+              <a:t> </a:t>
+            </a:r>
+          </a:p>
+          <a:p>
+            <a:pPr marL="0" indent="0">
+              <a:buNone/>
+            </a:pPr>
+            <a:r>
+              <a:rPr lang="en-US" dirty="0" smtClean="0">
+                <a:solidFill>
+                  <a:srgbClr val="FF0000"/>
+                </a:solidFill>
+              </a:rPr>
+              <a:t>      -    </a:t>
+            </a:r>
+            <a:r>
+              <a:rPr lang="ko-KR" altLang="en-US" dirty="0" smtClean="0">
+                <a:solidFill>
+                  <a:srgbClr val="FF0000"/>
+                </a:solidFill>
+              </a:rPr>
+              <a:t>로그아웃만 구현</a:t>
+            </a:r>
             <a:endParaRPr sz="1400" dirty="0">
               <a:solidFill>
-                <a:srgbClr val="CC0000"/>
+                <a:srgbClr val="FF0000"/>
               </a:solidFill>
             </a:endParaRPr>
           </a:p>
         </p:txBody>
       </p:sp>
+      <p:pic>
+        <p:nvPicPr>
+          <p:cNvPr id="3" name="그림 2"/>
+          <p:cNvPicPr>
+            <a:picLocks noChangeAspect="1"/>
+          </p:cNvPicPr>
+          <p:nvPr/>
+        </p:nvPicPr>
+        <p:blipFill>
+          <a:blip r:embed="rId3">
+            <a:extLst>
+              <a:ext uri="{28A0092B-C50C-407E-A947-70E740481C1C}">
+                <a14:useLocalDpi xmlns:a14="http://schemas.microsoft.com/office/drawing/2010/main" val="0"/>
+              </a:ext>
+            </a:extLst>
+          </a:blip>
+          <a:stretch>
+            <a:fillRect/>
+          </a:stretch>
+        </p:blipFill>
+        <p:spPr>
+          <a:xfrm>
+            <a:off x="5918039" y="1152475"/>
+            <a:ext cx="1585420" cy="3513510"/>
+          </a:xfrm>
+          <a:prstGeom prst="rect">
+            <a:avLst/>
+          </a:prstGeom>
+        </p:spPr>
+      </p:pic>
     </p:spTree>
   </p:cSld>
   <p:clrMapOvr>
     <a:masterClrMapping/>
   </p:clrMapOvr>
+  <p:timing>
+    <p:tnLst>
+      <p:par>
+        <p:cTn id="1" dur="indefinite" restart="never" nodeType="tmRoot"/>
+      </p:par>
+    </p:tnLst>
+  </p:timing>
 </p:sld>
 </file>
 
@@ -12854,6 +13375,13 @@
   <p:clrMapOvr>
     <a:masterClrMapping/>
   </p:clrMapOvr>
+  <p:timing>
+    <p:tnLst>
+      <p:par>
+        <p:cTn id="1" dur="indefinite" restart="never" nodeType="tmRoot"/>
+      </p:par>
+    </p:tnLst>
+  </p:timing>
 </p:sld>
 </file>
 
@@ -13135,12 +13663,28 @@
               <a:buNone/>
             </a:pPr>
             <a:r>
-              <a:rPr lang="ko" sz="1400" dirty="0">
+              <a:rPr lang="ko" sz="1400" dirty="0" smtClean="0">
                 <a:solidFill>
                   <a:srgbClr val="000000"/>
                 </a:solidFill>
               </a:rPr>
-              <a:t>4~5주차</a:t>
+              <a:t>4~</a:t>
+            </a:r>
+            <a:r>
+              <a:rPr lang="en-US" altLang="ko" sz="1400" dirty="0">
+                <a:solidFill>
+                  <a:srgbClr val="000000"/>
+                </a:solidFill>
+              </a:rPr>
+              <a:t>5</a:t>
+            </a:r>
+            <a:r>
+              <a:rPr lang="ko" sz="1400" dirty="0" smtClean="0">
+                <a:solidFill>
+                  <a:srgbClr val="000000"/>
+                </a:solidFill>
+              </a:rPr>
+              <a:t>주차</a:t>
             </a:r>
             <a:endParaRPr sz="1400" dirty="0">
               <a:solidFill>
@@ -13204,15 +13748,7 @@
                   <a:srgbClr val="000000"/>
                 </a:solidFill>
               </a:rPr>
-              <a:t>5</a:t>
-            </a:r>
-            <a:r>
-              <a:rPr lang="en-US" altLang="ko" sz="1400" dirty="0" smtClean="0">
-                <a:solidFill>
-                  <a:srgbClr val="000000"/>
-                </a:solidFill>
-              </a:rPr>
-              <a:t>~6</a:t>
+              <a:t>5~8</a:t>
             </a:r>
             <a:r>
               <a:rPr lang="ko" sz="1400" dirty="0" smtClean="0">
@@ -13279,15 +13815,15 @@
               <a:t>6~</a:t>
             </a:r>
             <a:r>
+              <a:rPr lang="en-US" altLang="ko" sz="1400" dirty="0">
+                <a:solidFill>
+                  <a:srgbClr val="000000"/>
+                </a:solidFill>
+              </a:rPr>
+              <a:t>8</a:t>
+            </a:r>
+            <a:r>
               <a:rPr lang="ko" sz="1400" dirty="0" smtClean="0">
-                <a:solidFill>
-                  <a:srgbClr val="000000"/>
-                </a:solidFill>
-              </a:rPr>
-              <a:t>7</a:t>
-            </a:r>
-            <a:r>
-              <a:rPr lang="ko" sz="1400" dirty="0">
                 <a:solidFill>
                   <a:srgbClr val="000000"/>
                 </a:solidFill>
@@ -13490,6 +14026,13 @@
   <p:clrMapOvr>
     <a:masterClrMapping/>
   </p:clrMapOvr>
+  <p:timing>
+    <p:tnLst>
+      <p:par>
+        <p:cTn id="1" dur="indefinite" restart="never" nodeType="tmRoot"/>
+      </p:par>
+    </p:tnLst>
+  </p:timing>
 </p:sld>
 </file>
 
@@ -13895,6 +14438,13 @@
   <p:clrMapOvr>
     <a:masterClrMapping/>
   </p:clrMapOvr>
+  <p:timing>
+    <p:tnLst>
+      <p:par>
+        <p:cTn id="1" dur="indefinite" restart="never" nodeType="tmRoot"/>
+      </p:par>
+    </p:tnLst>
+  </p:timing>
 </p:sld>
 </file>
 
@@ -14008,14 +14558,14 @@
               <a:buNone/>
             </a:pPr>
             <a:r>
-              <a:rPr lang="ko" sz="1400" b="1">
+              <a:rPr lang="ko" sz="1400" b="1" dirty="0">
                 <a:solidFill>
                   <a:srgbClr val="000000"/>
                 </a:solidFill>
               </a:rPr>
               <a:t>리스크</a:t>
             </a:r>
-            <a:endParaRPr sz="1400" b="1">
+            <a:endParaRPr sz="1400" b="1" dirty="0">
               <a:solidFill>
                 <a:srgbClr val="000000"/>
               </a:solidFill>
@@ -14039,14 +14589,14 @@
               <a:buChar char="-"/>
             </a:pPr>
             <a:r>
-              <a:rPr lang="ko" sz="1400" b="1">
+              <a:rPr lang="ko" sz="1400" b="1" dirty="0">
                 <a:solidFill>
                   <a:srgbClr val="000000"/>
                 </a:solidFill>
               </a:rPr>
               <a:t>대응 방안</a:t>
             </a:r>
-            <a:endParaRPr sz="1400" b="1">
+            <a:endParaRPr sz="1400" b="1" dirty="0">
               <a:solidFill>
                 <a:srgbClr val="000000"/>
               </a:solidFill>
@@ -14067,14 +14617,14 @@
               <a:buNone/>
             </a:pPr>
             <a:r>
-              <a:rPr lang="ko" sz="1100">
+              <a:rPr lang="ko" sz="1100" dirty="0">
                 <a:solidFill>
                   <a:srgbClr val="000000"/>
                 </a:solidFill>
               </a:rPr>
               <a:t>해외 지도 데이터 정확도 문제</a:t>
             </a:r>
-            <a:endParaRPr sz="1100">
+            <a:endParaRPr sz="1100" dirty="0">
               <a:solidFill>
                 <a:srgbClr val="000000"/>
               </a:solidFill>
@@ -14098,14 +14648,14 @@
               <a:buChar char="-"/>
             </a:pPr>
             <a:r>
-              <a:rPr lang="ko" sz="1100">
+              <a:rPr lang="ko" sz="1100" dirty="0">
                 <a:solidFill>
                   <a:srgbClr val="000000"/>
                 </a:solidFill>
               </a:rPr>
               <a:t>구글맵 이외에 로컬 지도 API도 검토</a:t>
             </a:r>
-            <a:endParaRPr sz="1100">
+            <a:endParaRPr sz="1100" dirty="0">
               <a:solidFill>
                 <a:srgbClr val="000000"/>
               </a:solidFill>
@@ -14124,7 +14674,7 @@
               </a:spcAft>
               <a:buNone/>
             </a:pPr>
-            <a:endParaRPr sz="1100">
+            <a:endParaRPr sz="1100" dirty="0">
               <a:solidFill>
                 <a:srgbClr val="000000"/>
               </a:solidFill>
@@ -14145,14 +14695,14 @@
               <a:buNone/>
             </a:pPr>
             <a:r>
-              <a:rPr lang="ko" sz="1100">
+              <a:rPr lang="ko" sz="1100" dirty="0">
                 <a:solidFill>
                   <a:srgbClr val="000000"/>
                 </a:solidFill>
               </a:rPr>
               <a:t>한국인 리뷰 확보 부족</a:t>
             </a:r>
-            <a:endParaRPr sz="1100">
+            <a:endParaRPr sz="1100" dirty="0">
               <a:solidFill>
                 <a:srgbClr val="000000"/>
               </a:solidFill>
@@ -14176,14 +14726,14 @@
               <a:buChar char="-"/>
             </a:pPr>
             <a:r>
-              <a:rPr lang="ko" sz="1100">
+              <a:rPr lang="ko" sz="1100" dirty="0">
                 <a:solidFill>
                   <a:srgbClr val="000000"/>
                 </a:solidFill>
               </a:rPr>
               <a:t>초기 사용자 대상 리뷰 작성 이벤트 운영</a:t>
             </a:r>
-            <a:endParaRPr sz="1100">
+            <a:endParaRPr sz="1100" dirty="0">
               <a:solidFill>
                 <a:srgbClr val="000000"/>
               </a:solidFill>
@@ -14202,7 +14752,7 @@
               </a:spcAft>
               <a:buNone/>
             </a:pPr>
-            <a:endParaRPr sz="1100">
+            <a:endParaRPr sz="1100" dirty="0">
               <a:solidFill>
                 <a:srgbClr val="000000"/>
               </a:solidFill>
@@ -14223,14 +14773,14 @@
               <a:buNone/>
             </a:pPr>
             <a:r>
-              <a:rPr lang="ko" sz="1100">
+              <a:rPr lang="ko" sz="1100" dirty="0">
                 <a:solidFill>
                   <a:srgbClr val="000000"/>
                 </a:solidFill>
               </a:rPr>
               <a:t>앱스토어/플레이스토어 심사 지연</a:t>
             </a:r>
-            <a:endParaRPr sz="1100">
+            <a:endParaRPr sz="1100" dirty="0">
               <a:solidFill>
                 <a:srgbClr val="000000"/>
               </a:solidFill>
@@ -14254,14 +14804,14 @@
               <a:buChar char="-"/>
             </a:pPr>
             <a:r>
-              <a:rPr lang="ko" sz="1100">
+              <a:rPr lang="ko" sz="1100" dirty="0">
                 <a:solidFill>
                   <a:srgbClr val="000000"/>
                 </a:solidFill>
               </a:rPr>
               <a:t>사전 가이드라인 체크 및 충분한 버퍼 확보</a:t>
             </a:r>
-            <a:endParaRPr sz="1100">
+            <a:endParaRPr sz="1100" dirty="0">
               <a:solidFill>
                 <a:srgbClr val="000000"/>
               </a:solidFill>
@@ -14280,7 +14830,7 @@
               </a:spcAft>
               <a:buNone/>
             </a:pPr>
-            <a:endParaRPr sz="1100">
+            <a:endParaRPr sz="1100" dirty="0">
               <a:solidFill>
                 <a:srgbClr val="000000"/>
               </a:solidFill>
@@ -14301,14 +14851,14 @@
               <a:buNone/>
             </a:pPr>
             <a:r>
-              <a:rPr lang="ko" sz="1100">
+              <a:rPr lang="ko" sz="1100" dirty="0">
                 <a:solidFill>
                   <a:srgbClr val="000000"/>
                 </a:solidFill>
               </a:rPr>
               <a:t>Flutter 버전 호환성 이슈</a:t>
             </a:r>
-            <a:endParaRPr sz="1100">
+            <a:endParaRPr sz="1100" dirty="0">
               <a:solidFill>
                 <a:srgbClr val="000000"/>
               </a:solidFill>
@@ -14332,14 +14882,14 @@
               <a:buChar char="-"/>
             </a:pPr>
             <a:r>
-              <a:rPr lang="ko" sz="1100">
+              <a:rPr lang="ko" sz="1100" dirty="0">
                 <a:solidFill>
                   <a:srgbClr val="000000"/>
                 </a:solidFill>
               </a:rPr>
               <a:t>안정화된 Flutter LTS(Long Term Support) 버전 사용 및 지속적인 업데이트</a:t>
             </a:r>
-            <a:endParaRPr sz="1100">
+            <a:endParaRPr sz="1100" dirty="0">
               <a:solidFill>
                 <a:srgbClr val="000000"/>
               </a:solidFill>
@@ -14358,7 +14908,7 @@
               </a:spcAft>
               <a:buNone/>
             </a:pPr>
-            <a:endParaRPr sz="1100">
+            <a:endParaRPr sz="1100" dirty="0">
               <a:solidFill>
                 <a:srgbClr val="000000"/>
               </a:solidFill>
@@ -14379,14 +14929,14 @@
               <a:buNone/>
             </a:pPr>
             <a:r>
-              <a:rPr lang="ko" sz="1100">
+              <a:rPr lang="ko" sz="1100" dirty="0">
                 <a:solidFill>
                   <a:srgbClr val="000000"/>
                 </a:solidFill>
               </a:rPr>
               <a:t>다국적 환경(언어/시간대) 대응 미흡</a:t>
             </a:r>
-            <a:endParaRPr sz="1100">
+            <a:endParaRPr sz="1100" dirty="0">
               <a:solidFill>
                 <a:srgbClr val="000000"/>
               </a:solidFill>
@@ -14410,14 +14960,14 @@
               <a:buChar char="-"/>
             </a:pPr>
             <a:r>
-              <a:rPr lang="ko" sz="1100">
+              <a:rPr lang="ko" sz="1100" dirty="0">
                 <a:solidFill>
                   <a:srgbClr val="000000"/>
                 </a:solidFill>
               </a:rPr>
               <a:t>앱 초기 개발 시 다국어 지원(한글/영어) 구조 마련</a:t>
             </a:r>
-            <a:endParaRPr sz="1100">
+            <a:endParaRPr sz="1100" dirty="0">
               <a:solidFill>
                 <a:srgbClr val="000000"/>
               </a:solidFill>
@@ -14437,7 +14987,7 @@
               <a:buSzPts val="1800"/>
               <a:buNone/>
             </a:pPr>
-            <a:endParaRPr/>
+            <a:endParaRPr dirty="0"/>
           </a:p>
         </p:txBody>
       </p:sp>
@@ -14446,6 +14996,13 @@
   <p:clrMapOvr>
     <a:masterClrMapping/>
   </p:clrMapOvr>
+  <p:timing>
+    <p:tnLst>
+      <p:par>
+        <p:cTn id="1" dur="indefinite" restart="never" nodeType="tmRoot"/>
+      </p:par>
+    </p:tnLst>
+  </p:timing>
 </p:sld>
 </file>
 
@@ -14563,7 +15120,7 @@
               <a:buNone/>
             </a:pPr>
             <a:r>
-              <a:rPr lang="ko" sz="1100" b="1">
+              <a:rPr lang="ko" sz="1100" b="1" dirty="0">
                 <a:solidFill>
                   <a:schemeClr val="dk1"/>
                 </a:solidFill>
@@ -14571,7 +15128,7 @@
               <a:t>보고 체계</a:t>
             </a:r>
             <a:r>
-              <a:rPr lang="ko" sz="1100">
+              <a:rPr lang="ko" sz="1100" dirty="0">
                 <a:solidFill>
                   <a:schemeClr val="dk1"/>
                 </a:solidFill>
@@ -14579,13 +15136,13 @@
               <a:t>:</a:t>
             </a:r>
             <a:br>
-              <a:rPr lang="ko" sz="1100">
+              <a:rPr lang="ko" sz="1100" dirty="0">
                 <a:solidFill>
                   <a:schemeClr val="dk1"/>
                 </a:solidFill>
               </a:rPr>
             </a:br>
-            <a:endParaRPr sz="1100">
+            <a:endParaRPr sz="1100" dirty="0">
               <a:solidFill>
                 <a:schemeClr val="dk1"/>
               </a:solidFill>
@@ -14609,28 +15166,29 @@
               <a:buChar char="●"/>
             </a:pPr>
             <a:r>
-              <a:rPr lang="ko" sz="1100">
+              <a:rPr lang="ko" sz="1100" dirty="0">
                 <a:solidFill>
                   <a:schemeClr val="dk1"/>
                 </a:solidFill>
               </a:rPr>
-              <a:t>개발 상황은 github에 기록 및 관리</a:t>
-            </a:r>
-            <a:br>
-              <a:rPr lang="ko" sz="1100">
+              <a:t>개발 상황은 github에 기록 및 </a:t>
+            </a:r>
+            <a:r>
+              <a:rPr lang="ko" sz="1100" dirty="0" smtClean="0">
                 <a:solidFill>
                   <a:schemeClr val="dk1"/>
                 </a:solidFill>
               </a:rPr>
-            </a:br>
-            <a:endParaRPr sz="1100">
+              <a:t>관리</a:t>
+            </a:r>
+            <a:endParaRPr lang="en-US" altLang="ko" sz="1100" dirty="0" smtClean="0">
               <a:solidFill>
                 <a:schemeClr val="dk1"/>
               </a:solidFill>
             </a:endParaRPr>
           </a:p>
           <a:p>
-            <a:pPr marL="0" lvl="0" indent="0" algn="l" rtl="0">
+            <a:pPr marL="457200" lvl="0" indent="-298450" algn="l" rtl="0">
               <a:lnSpc>
                 <a:spcPct val="115000"/>
               </a:lnSpc>
@@ -14644,40 +15202,55 @@
                 <a:schemeClr val="dk1"/>
               </a:buClr>
               <a:buSzPts val="1100"/>
-              <a:buFont typeface="Arial"/>
-              <a:buNone/>
-            </a:pPr>
-            <a:r>
-              <a:rPr lang="ko" sz="1100" b="1">
+              <a:buChar char="●"/>
+            </a:pPr>
+            <a:r>
+              <a:rPr lang="en-US" altLang="ko" sz="1100" dirty="0" smtClean="0">
                 <a:solidFill>
                   <a:schemeClr val="dk1"/>
                 </a:solidFill>
               </a:rPr>
-              <a:t>문서 관리</a:t>
-            </a:r>
-            <a:r>
-              <a:rPr lang="ko" sz="1100">
+              <a:t>React </a:t>
+            </a:r>
+            <a:r>
+              <a:rPr lang="en-US" altLang="ko" sz="1100" dirty="0" err="1" smtClean="0">
                 <a:solidFill>
                   <a:schemeClr val="dk1"/>
                 </a:solidFill>
               </a:rPr>
-              <a:t>:</a:t>
+              <a:t>GanttChart</a:t>
+            </a:r>
+            <a:r>
+              <a:rPr lang="ko-KR" altLang="en-US" sz="1100" dirty="0" smtClean="0">
+                <a:solidFill>
+                  <a:schemeClr val="dk1"/>
+                </a:solidFill>
+              </a:rPr>
+              <a:t>를 이용한 개발 상황 업데이트</a:t>
+            </a:r>
+            <a:r>
+              <a:rPr lang="ko" sz="1100" dirty="0">
+                <a:solidFill>
+                  <a:schemeClr val="dk1"/>
+                </a:solidFill>
+              </a:rPr>
+              <a:t/>
             </a:r>
             <a:br>
-              <a:rPr lang="ko" sz="1100">
+              <a:rPr lang="ko" sz="1100" dirty="0">
                 <a:solidFill>
                   <a:schemeClr val="dk1"/>
                 </a:solidFill>
               </a:rPr>
             </a:br>
-            <a:endParaRPr sz="1100">
+            <a:endParaRPr sz="1100" dirty="0">
               <a:solidFill>
                 <a:schemeClr val="dk1"/>
               </a:solidFill>
             </a:endParaRPr>
           </a:p>
           <a:p>
-            <a:pPr marL="457200" lvl="0" indent="-298450" algn="l" rtl="0">
+            <a:pPr marL="0" lvl="0" indent="0" algn="l" rtl="0">
               <a:lnSpc>
                 <a:spcPct val="115000"/>
               </a:lnSpc>
@@ -14691,68 +15264,85 @@
                 <a:schemeClr val="dk1"/>
               </a:buClr>
               <a:buSzPts val="1100"/>
-              <a:buChar char="●"/>
-            </a:pPr>
-            <a:r>
-              <a:rPr lang="ko" sz="1100">
+              <a:buFont typeface="Arial"/>
+              <a:buNone/>
+            </a:pPr>
+            <a:r>
+              <a:rPr lang="ko" sz="1100" b="1" dirty="0">
                 <a:solidFill>
                   <a:schemeClr val="dk1"/>
                 </a:solidFill>
               </a:rPr>
-              <a:t>Google Drive 또는 Notion을 통한 문서/자료 통합 관리</a:t>
-            </a:r>
-            <a:endParaRPr sz="1100">
+              <a:t>문서 관리</a:t>
+            </a:r>
+            <a:r>
+              <a:rPr lang="ko" sz="1100" dirty="0">
+                <a:solidFill>
+                  <a:schemeClr val="dk1"/>
+                </a:solidFill>
+              </a:rPr>
+              <a:t>:</a:t>
+            </a:r>
+            <a:br>
+              <a:rPr lang="ko" sz="1100" dirty="0">
+                <a:solidFill>
+                  <a:schemeClr val="dk1"/>
+                </a:solidFill>
+              </a:rPr>
+            </a:br>
+            <a:endParaRPr sz="1100" dirty="0" smtClean="0">
               <a:solidFill>
                 <a:schemeClr val="dk1"/>
               </a:solidFill>
             </a:endParaRPr>
           </a:p>
           <a:p>
-            <a:pPr marL="457200" lvl="0" indent="-298450" algn="l" rtl="0">
-              <a:lnSpc>
-                <a:spcPct val="115000"/>
-              </a:lnSpc>
+            <a:pPr lvl="0" indent="-298450">
               <a:spcBef>
                 <a:spcPts val="1200"/>
               </a:spcBef>
-              <a:spcAft>
-                <a:spcPts val="0"/>
-              </a:spcAft>
               <a:buClr>
                 <a:schemeClr val="dk1"/>
               </a:buClr>
               <a:buSzPts val="1100"/>
-              <a:buChar char="●"/>
-            </a:pPr>
-            <a:r>
-              <a:rPr lang="ko" sz="1100">
+            </a:pPr>
+            <a:r>
+              <a:rPr lang="ko-KR" altLang="en-US" sz="1100" dirty="0">
                 <a:solidFill>
                   <a:schemeClr val="dk1"/>
                 </a:solidFill>
               </a:rPr>
-              <a:t>본 PPT에 내용 지속적 추가 예정</a:t>
-            </a:r>
-            <a:endParaRPr sz="1100">
+              <a:t>본 </a:t>
+            </a:r>
+            <a:r>
+              <a:rPr lang="en-US" altLang="ko-KR" sz="1100" dirty="0">
+                <a:solidFill>
+                  <a:schemeClr val="dk1"/>
+                </a:solidFill>
+              </a:rPr>
+              <a:t>PPT</a:t>
+            </a:r>
+            <a:r>
+              <a:rPr lang="ko-KR" altLang="en-US" sz="1100" dirty="0">
+                <a:solidFill>
+                  <a:schemeClr val="dk1"/>
+                </a:solidFill>
+              </a:rPr>
+              <a:t>에 내용 지속적 추가 </a:t>
+            </a:r>
+            <a:r>
+              <a:rPr lang="ko-KR" altLang="en-US" sz="1100" dirty="0" smtClean="0">
+                <a:solidFill>
+                  <a:schemeClr val="dk1"/>
+                </a:solidFill>
+              </a:rPr>
+              <a:t>예정</a:t>
+            </a:r>
+            <a:endParaRPr lang="ko-KR" altLang="en-US" sz="1100" dirty="0">
               <a:solidFill>
                 <a:schemeClr val="dk1"/>
               </a:solidFill>
             </a:endParaRPr>
-          </a:p>
-          <a:p>
-            <a:pPr marL="0" lvl="0" indent="0" algn="l" rtl="0">
-              <a:lnSpc>
-                <a:spcPct val="115000"/>
-              </a:lnSpc>
-              <a:spcBef>
-                <a:spcPts val="1200"/>
-              </a:spcBef>
-              <a:spcAft>
-                <a:spcPts val="1200"/>
-              </a:spcAft>
-              <a:buSzPts val="1800"/>
-              <a:buNone/>
-            </a:pPr>
-            <a:endParaRPr/>
           </a:p>
         </p:txBody>
       </p:sp>
@@ -14761,10 +15351,1551 @@
   <p:clrMapOvr>
     <a:masterClrMapping/>
   </p:clrMapOvr>
+  <p:timing>
+    <p:tnLst>
+      <p:par>
+        <p:cTn id="1" dur="indefinite" restart="never" nodeType="tmRoot"/>
+      </p:par>
+    </p:tnLst>
+  </p:timing>
 </p:sld>
 </file>
 
 <file path=ppt/slides/slide7.xml><?xml version="1.0" encoding="utf-8"?>
+<p:sld xmlns:a="http://schemas.openxmlformats.org/drawingml/2006/main" xmlns:r="http://schemas.openxmlformats.org/officeDocument/2006/relationships" xmlns:p="http://schemas.openxmlformats.org/presentationml/2006/main">
+  <p:cSld>
+    <p:spTree>
+      <p:nvGrpSpPr>
+        <p:cNvPr id="1" name=""/>
+        <p:cNvGrpSpPr/>
+        <p:nvPr/>
+      </p:nvGrpSpPr>
+      <p:grpSpPr>
+        <a:xfrm>
+          <a:off x="0" y="0"/>
+          <a:ext cx="0" cy="0"/>
+          <a:chOff x="0" y="0"/>
+          <a:chExt cx="0" cy="0"/>
+        </a:xfrm>
+      </p:grpSpPr>
+      <p:sp>
+        <p:nvSpPr>
+          <p:cNvPr id="2" name="제목 1"/>
+          <p:cNvSpPr>
+            <a:spLocks noGrp="1"/>
+          </p:cNvSpPr>
+          <p:nvPr>
+            <p:ph type="title"/>
+          </p:nvPr>
+        </p:nvSpPr>
+        <p:spPr/>
+        <p:txBody>
+          <a:bodyPr>
+            <a:normAutofit fontScale="90000"/>
+          </a:bodyPr>
+          <a:lstStyle/>
+          <a:p>
+            <a:r>
+              <a:rPr lang="ko-KR" altLang="en-US" dirty="0" err="1" smtClean="0"/>
+              <a:t>간트차트</a:t>
+            </a:r>
+            <a:endParaRPr lang="ko-KR" altLang="en-US" dirty="0"/>
+          </a:p>
+        </p:txBody>
+      </p:sp>
+      <p:sp>
+        <p:nvSpPr>
+          <p:cNvPr id="8" name="텍스트 개체 틀 7"/>
+          <p:cNvSpPr>
+            <a:spLocks noGrp="1"/>
+          </p:cNvSpPr>
+          <p:nvPr>
+            <p:ph type="body" idx="1"/>
+          </p:nvPr>
+        </p:nvSpPr>
+        <p:spPr>
+          <a:xfrm>
+            <a:off x="311700" y="1065069"/>
+            <a:ext cx="1705359" cy="3416400"/>
+          </a:xfrm>
+        </p:spPr>
+        <p:txBody>
+          <a:bodyPr>
+            <a:noAutofit/>
+          </a:bodyPr>
+          <a:lstStyle/>
+          <a:p>
+            <a:pPr marL="139700" indent="0">
+              <a:buNone/>
+            </a:pPr>
+            <a:r>
+              <a:rPr lang="en-US" altLang="ko-KR" sz="700" dirty="0"/>
+              <a:t>import React, { </a:t>
+            </a:r>
+            <a:r>
+              <a:rPr lang="en-US" altLang="ko-KR" sz="700" dirty="0" err="1"/>
+              <a:t>useEffect</a:t>
+            </a:r>
+            <a:r>
+              <a:rPr lang="en-US" altLang="ko-KR" sz="700" dirty="0"/>
+              <a:t>, </a:t>
+            </a:r>
+            <a:r>
+              <a:rPr lang="en-US" altLang="ko-KR" sz="700" dirty="0" err="1"/>
+              <a:t>useRef</a:t>
+            </a:r>
+            <a:r>
+              <a:rPr lang="en-US" altLang="ko-KR" sz="700" dirty="0"/>
+              <a:t> } from "react";</a:t>
+            </a:r>
+          </a:p>
+          <a:p>
+            <a:pPr marL="139700" indent="0">
+              <a:buNone/>
+            </a:pPr>
+            <a:r>
+              <a:rPr lang="en-US" altLang="ko-KR" sz="700" dirty="0"/>
+              <a:t>import Gantt from "frappe-</a:t>
+            </a:r>
+            <a:r>
+              <a:rPr lang="en-US" altLang="ko-KR" sz="700" dirty="0" err="1"/>
+              <a:t>gantt</a:t>
+            </a:r>
+            <a:r>
+              <a:rPr lang="en-US" altLang="ko-KR" sz="700" dirty="0"/>
+              <a:t>";</a:t>
+            </a:r>
+          </a:p>
+          <a:p>
+            <a:pPr marL="139700" indent="0">
+              <a:buNone/>
+            </a:pPr>
+            <a:r>
+              <a:rPr lang="en-US" altLang="ko-KR" sz="700" dirty="0"/>
+              <a:t>import "frappe-</a:t>
+            </a:r>
+            <a:r>
+              <a:rPr lang="en-US" altLang="ko-KR" sz="700" dirty="0" err="1"/>
+              <a:t>gantt</a:t>
+            </a:r>
+            <a:r>
+              <a:rPr lang="en-US" altLang="ko-KR" sz="700" dirty="0"/>
+              <a:t>/</a:t>
+            </a:r>
+            <a:r>
+              <a:rPr lang="en-US" altLang="ko-KR" sz="700" dirty="0" err="1"/>
+              <a:t>dist</a:t>
+            </a:r>
+            <a:r>
+              <a:rPr lang="en-US" altLang="ko-KR" sz="700" dirty="0"/>
+              <a:t>/frappe-gantt.css";</a:t>
+            </a:r>
+          </a:p>
+          <a:p>
+            <a:pPr marL="139700" indent="0">
+              <a:buNone/>
+            </a:pPr>
+            <a:endParaRPr lang="en-US" altLang="ko-KR" sz="700" dirty="0"/>
+          </a:p>
+          <a:p>
+            <a:pPr marL="139700" indent="0">
+              <a:buNone/>
+            </a:pPr>
+            <a:r>
+              <a:rPr lang="en-US" altLang="ko-KR" sz="700" dirty="0" err="1"/>
+              <a:t>const</a:t>
+            </a:r>
+            <a:r>
+              <a:rPr lang="en-US" altLang="ko-KR" sz="700" dirty="0"/>
+              <a:t> </a:t>
+            </a:r>
+            <a:r>
+              <a:rPr lang="en-US" altLang="ko-KR" sz="700" dirty="0" err="1"/>
+              <a:t>GanttChart</a:t>
+            </a:r>
+            <a:r>
+              <a:rPr lang="en-US" altLang="ko-KR" sz="700" dirty="0"/>
+              <a:t> = () =&gt; {</a:t>
+            </a:r>
+          </a:p>
+          <a:p>
+            <a:pPr marL="139700" indent="0">
+              <a:buNone/>
+            </a:pPr>
+            <a:r>
+              <a:rPr lang="en-US" altLang="ko-KR" sz="700" dirty="0"/>
+              <a:t>  </a:t>
+            </a:r>
+            <a:r>
+              <a:rPr lang="en-US" altLang="ko-KR" sz="700" dirty="0" err="1"/>
+              <a:t>const</a:t>
+            </a:r>
+            <a:r>
+              <a:rPr lang="en-US" altLang="ko-KR" sz="700" dirty="0"/>
+              <a:t> tasks = [</a:t>
+            </a:r>
+          </a:p>
+          <a:p>
+            <a:pPr marL="139700" indent="0">
+              <a:buNone/>
+            </a:pPr>
+            <a:r>
+              <a:rPr lang="en-US" altLang="ko-KR" sz="700" dirty="0"/>
+              <a:t>    {</a:t>
+            </a:r>
+          </a:p>
+          <a:p>
+            <a:pPr marL="139700" indent="0">
+              <a:buNone/>
+            </a:pPr>
+            <a:r>
+              <a:rPr lang="en-US" altLang="ko-KR" sz="700" dirty="0"/>
+              <a:t>      id: "1",</a:t>
+            </a:r>
+          </a:p>
+          <a:p>
+            <a:pPr marL="139700" indent="0">
+              <a:buNone/>
+            </a:pPr>
+            <a:r>
+              <a:rPr lang="en-US" altLang="ko-KR" sz="700" dirty="0"/>
+              <a:t>      name: "</a:t>
+            </a:r>
+            <a:r>
+              <a:rPr lang="ko-KR" altLang="en-US" sz="700" dirty="0"/>
+              <a:t>요구사항 정의 및 화면 설계</a:t>
+            </a:r>
+            <a:r>
+              <a:rPr lang="en-US" altLang="ko-KR" sz="700" dirty="0"/>
+              <a:t>",</a:t>
+            </a:r>
+          </a:p>
+          <a:p>
+            <a:pPr marL="139700" indent="0">
+              <a:buNone/>
+            </a:pPr>
+            <a:r>
+              <a:rPr lang="en-US" altLang="ko-KR" sz="700" dirty="0"/>
+              <a:t>      start: "2025-05-01",</a:t>
+            </a:r>
+          </a:p>
+          <a:p>
+            <a:pPr marL="139700" indent="0">
+              <a:buNone/>
+            </a:pPr>
+            <a:r>
+              <a:rPr lang="en-US" altLang="ko-KR" sz="700" dirty="0"/>
+              <a:t>      end: "2025-05-07",</a:t>
+            </a:r>
+          </a:p>
+          <a:p>
+            <a:pPr marL="139700" indent="0">
+              <a:buNone/>
+            </a:pPr>
+            <a:r>
+              <a:rPr lang="en-US" altLang="ko-KR" sz="700" dirty="0"/>
+              <a:t>      progress: 100,</a:t>
+            </a:r>
+          </a:p>
+          <a:p>
+            <a:pPr marL="139700" indent="0">
+              <a:buNone/>
+            </a:pPr>
+            <a:r>
+              <a:rPr lang="en-US" altLang="ko-KR" sz="700" dirty="0"/>
+              <a:t>    },</a:t>
+            </a:r>
+          </a:p>
+          <a:p>
+            <a:pPr marL="139700" indent="0">
+              <a:buNone/>
+            </a:pPr>
+            <a:r>
+              <a:rPr lang="en-US" altLang="ko-KR" sz="700" dirty="0"/>
+              <a:t>    {</a:t>
+            </a:r>
+          </a:p>
+          <a:p>
+            <a:pPr marL="139700" indent="0">
+              <a:buNone/>
+            </a:pPr>
+            <a:r>
+              <a:rPr lang="en-US" altLang="ko-KR" sz="700" dirty="0"/>
+              <a:t>      id: "2",</a:t>
+            </a:r>
+          </a:p>
+          <a:p>
+            <a:pPr marL="139700" indent="0">
+              <a:buNone/>
+            </a:pPr>
+            <a:r>
+              <a:rPr lang="en-US" altLang="ko-KR" sz="700" dirty="0"/>
+              <a:t>      name: "</a:t>
+            </a:r>
+            <a:r>
+              <a:rPr lang="ko-KR" altLang="en-US" sz="700" dirty="0"/>
+              <a:t>기본 앱 구조 개발</a:t>
+            </a:r>
+            <a:r>
+              <a:rPr lang="en-US" altLang="ko-KR" sz="700" dirty="0"/>
+              <a:t>",</a:t>
+            </a:r>
+          </a:p>
+          <a:p>
+            <a:pPr marL="139700" indent="0">
+              <a:buNone/>
+            </a:pPr>
+            <a:r>
+              <a:rPr lang="en-US" altLang="ko-KR" sz="700" dirty="0"/>
+              <a:t>      start: "2025-05-08",</a:t>
+            </a:r>
+          </a:p>
+          <a:p>
+            <a:pPr marL="139700" indent="0">
+              <a:buNone/>
+            </a:pPr>
+            <a:r>
+              <a:rPr lang="en-US" altLang="ko-KR" sz="700" dirty="0"/>
+              <a:t>      end: "2025-05-21",</a:t>
+            </a:r>
+          </a:p>
+          <a:p>
+            <a:pPr marL="139700" indent="0">
+              <a:buNone/>
+            </a:pPr>
+            <a:r>
+              <a:rPr lang="en-US" altLang="ko-KR" sz="700" dirty="0"/>
+              <a:t>      progress: 100,</a:t>
+            </a:r>
+          </a:p>
+          <a:p>
+            <a:pPr marL="139700" indent="0">
+              <a:buNone/>
+            </a:pPr>
+            <a:r>
+              <a:rPr lang="en-US" altLang="ko-KR" sz="700" dirty="0"/>
+              <a:t>    },</a:t>
+            </a:r>
+          </a:p>
+          <a:p>
+            <a:pPr marL="139700" indent="0">
+              <a:buNone/>
+            </a:pPr>
+            <a:r>
+              <a:rPr lang="en-US" altLang="ko-KR" sz="700" dirty="0"/>
+              <a:t>    {</a:t>
+            </a:r>
+          </a:p>
+          <a:p>
+            <a:pPr marL="139700" indent="0">
+              <a:buNone/>
+            </a:pPr>
+            <a:r>
+              <a:rPr lang="en-US" altLang="ko-KR" sz="700" dirty="0"/>
+              <a:t>      id: "3",</a:t>
+            </a:r>
+          </a:p>
+          <a:p>
+            <a:pPr marL="139700" indent="0">
+              <a:buNone/>
+            </a:pPr>
+            <a:r>
+              <a:rPr lang="en-US" altLang="ko-KR" sz="700" dirty="0"/>
+              <a:t>      name: "</a:t>
+            </a:r>
+            <a:r>
+              <a:rPr lang="ko-KR" altLang="en-US" sz="700" dirty="0"/>
+              <a:t>회원가입</a:t>
+            </a:r>
+            <a:r>
+              <a:rPr lang="en-US" altLang="ko-KR" sz="700" dirty="0"/>
+              <a:t>/</a:t>
+            </a:r>
+            <a:r>
+              <a:rPr lang="ko-KR" altLang="en-US" sz="700" dirty="0"/>
+              <a:t>로그인 기능 구현</a:t>
+            </a:r>
+            <a:r>
+              <a:rPr lang="en-US" altLang="ko-KR" sz="700" dirty="0"/>
+              <a:t>",</a:t>
+            </a:r>
+          </a:p>
+          <a:p>
+            <a:pPr marL="139700" indent="0">
+              <a:buNone/>
+            </a:pPr>
+            <a:r>
+              <a:rPr lang="en-US" altLang="ko-KR" sz="700" dirty="0"/>
+              <a:t>      start: "2025-05-22",</a:t>
+            </a:r>
+          </a:p>
+          <a:p>
+            <a:pPr marL="139700" indent="0">
+              <a:buNone/>
+            </a:pPr>
+            <a:r>
+              <a:rPr lang="en-US" altLang="ko-KR" sz="700" dirty="0"/>
+              <a:t>      end: "2025-06-08",</a:t>
+            </a:r>
+          </a:p>
+          <a:p>
+            <a:pPr marL="139700" indent="0">
+              <a:buNone/>
+            </a:pPr>
+            <a:r>
+              <a:rPr lang="en-US" altLang="ko-KR" sz="700" dirty="0"/>
+              <a:t>      progress: 90,</a:t>
+            </a:r>
+          </a:p>
+          <a:p>
+            <a:pPr marL="139700" indent="0">
+              <a:buNone/>
+            </a:pPr>
+            <a:r>
+              <a:rPr lang="en-US" altLang="ko-KR" sz="700" dirty="0"/>
+              <a:t>    </a:t>
+            </a:r>
+            <a:r>
+              <a:rPr lang="en-US" altLang="ko-KR" sz="700" dirty="0" smtClean="0"/>
+              <a:t>},</a:t>
+            </a:r>
+            <a:endParaRPr lang="en-US" altLang="ko-KR" sz="700" dirty="0"/>
+          </a:p>
+        </p:txBody>
+      </p:sp>
+      <p:sp>
+        <p:nvSpPr>
+          <p:cNvPr id="9" name="텍스트 개체 틀 8"/>
+          <p:cNvSpPr>
+            <a:spLocks noGrp="1"/>
+          </p:cNvSpPr>
+          <p:nvPr>
+            <p:ph type="body" idx="2"/>
+          </p:nvPr>
+        </p:nvSpPr>
+        <p:spPr>
+          <a:xfrm>
+            <a:off x="4982206" y="1017725"/>
+            <a:ext cx="1682701" cy="3416400"/>
+          </a:xfrm>
+        </p:spPr>
+        <p:txBody>
+          <a:bodyPr>
+            <a:noAutofit/>
+          </a:bodyPr>
+          <a:lstStyle/>
+          <a:p>
+            <a:pPr marL="139700" indent="0">
+              <a:buNone/>
+            </a:pPr>
+            <a:r>
+              <a:rPr lang="en-US" altLang="ko-KR" sz="700" dirty="0" smtClean="0"/>
+              <a:t>    </a:t>
+            </a:r>
+            <a:r>
+              <a:rPr lang="en-US" altLang="ko-KR" sz="700" dirty="0"/>
+              <a:t>{</a:t>
+            </a:r>
+          </a:p>
+          <a:p>
+            <a:pPr marL="139700" indent="0">
+              <a:buNone/>
+            </a:pPr>
+            <a:r>
+              <a:rPr lang="en-US" altLang="ko-KR" sz="700" dirty="0"/>
+              <a:t>      id: "8",</a:t>
+            </a:r>
+          </a:p>
+          <a:p>
+            <a:pPr marL="139700" indent="0">
+              <a:buNone/>
+            </a:pPr>
+            <a:r>
+              <a:rPr lang="en-US" altLang="ko-KR" sz="700" dirty="0"/>
+              <a:t>      name: "</a:t>
+            </a:r>
+            <a:r>
+              <a:rPr lang="ko-KR" altLang="en-US" sz="700" dirty="0" err="1"/>
+              <a:t>내정보</a:t>
+            </a:r>
+            <a:r>
+              <a:rPr lang="ko-KR" altLang="en-US" sz="700" dirty="0"/>
+              <a:t> 기능</a:t>
+            </a:r>
+            <a:r>
+              <a:rPr lang="en-US" altLang="ko-KR" sz="700" dirty="0"/>
+              <a:t>",</a:t>
+            </a:r>
+          </a:p>
+          <a:p>
+            <a:pPr marL="139700" indent="0">
+              <a:buNone/>
+            </a:pPr>
+            <a:r>
+              <a:rPr lang="en-US" altLang="ko-KR" sz="700" dirty="0"/>
+              <a:t>      start: "2025-06-22",</a:t>
+            </a:r>
+          </a:p>
+          <a:p>
+            <a:pPr marL="139700" indent="0">
+              <a:buNone/>
+            </a:pPr>
+            <a:r>
+              <a:rPr lang="en-US" altLang="ko-KR" sz="700" dirty="0"/>
+              <a:t>      end: "2025-06-23",</a:t>
+            </a:r>
+          </a:p>
+          <a:p>
+            <a:pPr marL="139700" indent="0">
+              <a:buNone/>
+            </a:pPr>
+            <a:r>
+              <a:rPr lang="en-US" altLang="ko-KR" sz="700" dirty="0"/>
+              <a:t>      progress: 20,</a:t>
+            </a:r>
+          </a:p>
+          <a:p>
+            <a:pPr marL="139700" indent="0">
+              <a:buNone/>
+            </a:pPr>
+            <a:r>
+              <a:rPr lang="en-US" altLang="ko-KR" sz="700" dirty="0"/>
+              <a:t>    },</a:t>
+            </a:r>
+          </a:p>
+          <a:p>
+            <a:pPr marL="139700" indent="0">
+              <a:buNone/>
+            </a:pPr>
+            <a:r>
+              <a:rPr lang="en-US" altLang="ko-KR" sz="700" dirty="0"/>
+              <a:t>    {</a:t>
+            </a:r>
+          </a:p>
+          <a:p>
+            <a:pPr marL="139700" indent="0">
+              <a:buNone/>
+            </a:pPr>
+            <a:r>
+              <a:rPr lang="en-US" altLang="ko-KR" sz="700" dirty="0"/>
+              <a:t>      id: "9",</a:t>
+            </a:r>
+          </a:p>
+          <a:p>
+            <a:pPr marL="139700" indent="0">
+              <a:buNone/>
+            </a:pPr>
+            <a:r>
+              <a:rPr lang="en-US" altLang="ko-KR" sz="700" dirty="0"/>
+              <a:t>      name: "</a:t>
+            </a:r>
+            <a:r>
+              <a:rPr lang="ko-KR" altLang="en-US" sz="700" dirty="0"/>
+              <a:t>최종 수정 및 배포 준비</a:t>
+            </a:r>
+            <a:r>
+              <a:rPr lang="en-US" altLang="ko-KR" sz="700" dirty="0"/>
+              <a:t>",</a:t>
+            </a:r>
+          </a:p>
+          <a:p>
+            <a:pPr marL="139700" indent="0">
+              <a:buNone/>
+            </a:pPr>
+            <a:r>
+              <a:rPr lang="en-US" altLang="ko-KR" sz="700" dirty="0"/>
+              <a:t>      start: "2025-06-22",</a:t>
+            </a:r>
+          </a:p>
+          <a:p>
+            <a:pPr marL="139700" indent="0">
+              <a:buNone/>
+            </a:pPr>
+            <a:r>
+              <a:rPr lang="en-US" altLang="ko-KR" sz="700" dirty="0"/>
+              <a:t>      end: "2025-06-25",</a:t>
+            </a:r>
+          </a:p>
+          <a:p>
+            <a:pPr marL="139700" indent="0">
+              <a:buNone/>
+            </a:pPr>
+            <a:r>
+              <a:rPr lang="en-US" altLang="ko-KR" sz="700" dirty="0"/>
+              <a:t>      progress: 0,</a:t>
+            </a:r>
+          </a:p>
+          <a:p>
+            <a:pPr marL="139700" indent="0">
+              <a:buNone/>
+            </a:pPr>
+            <a:r>
+              <a:rPr lang="en-US" altLang="ko-KR" sz="700" dirty="0"/>
+              <a:t>    },</a:t>
+            </a:r>
+          </a:p>
+          <a:p>
+            <a:pPr marL="139700" indent="0">
+              <a:buNone/>
+            </a:pPr>
+            <a:r>
+              <a:rPr lang="en-US" altLang="ko-KR" sz="700" dirty="0"/>
+              <a:t>  ];</a:t>
+            </a:r>
+          </a:p>
+          <a:p>
+            <a:pPr marL="139700" indent="0">
+              <a:buNone/>
+            </a:pPr>
+            <a:endParaRPr lang="en-US" altLang="ko-KR" sz="700" dirty="0"/>
+          </a:p>
+          <a:p>
+            <a:pPr marL="139700" indent="0">
+              <a:buNone/>
+            </a:pPr>
+            <a:r>
+              <a:rPr lang="en-US" altLang="ko-KR" sz="700" dirty="0"/>
+              <a:t>  </a:t>
+            </a:r>
+            <a:r>
+              <a:rPr lang="en-US" altLang="ko-KR" sz="700" dirty="0" err="1"/>
+              <a:t>const</a:t>
+            </a:r>
+            <a:r>
+              <a:rPr lang="en-US" altLang="ko-KR" sz="700" dirty="0"/>
+              <a:t> </a:t>
+            </a:r>
+            <a:r>
+              <a:rPr lang="en-US" altLang="ko-KR" sz="700" dirty="0" err="1"/>
+              <a:t>ganttRef</a:t>
+            </a:r>
+            <a:r>
+              <a:rPr lang="en-US" altLang="ko-KR" sz="700" dirty="0"/>
+              <a:t> = </a:t>
+            </a:r>
+            <a:r>
+              <a:rPr lang="en-US" altLang="ko-KR" sz="700" dirty="0" err="1"/>
+              <a:t>useRef</a:t>
+            </a:r>
+            <a:r>
+              <a:rPr lang="en-US" altLang="ko-KR" sz="700" dirty="0"/>
+              <a:t>(null);</a:t>
+            </a:r>
+          </a:p>
+          <a:p>
+            <a:pPr marL="139700" indent="0">
+              <a:buNone/>
+            </a:pPr>
+            <a:endParaRPr lang="en-US" altLang="ko-KR" sz="700" dirty="0"/>
+          </a:p>
+          <a:p>
+            <a:pPr marL="139700" indent="0">
+              <a:buNone/>
+            </a:pPr>
+            <a:r>
+              <a:rPr lang="en-US" altLang="ko-KR" sz="700" dirty="0"/>
+              <a:t>  </a:t>
+            </a:r>
+            <a:r>
+              <a:rPr lang="en-US" altLang="ko-KR" sz="700" dirty="0" err="1"/>
+              <a:t>useEffect</a:t>
+            </a:r>
+            <a:r>
+              <a:rPr lang="en-US" altLang="ko-KR" sz="700" dirty="0"/>
+              <a:t>(() =&gt; {</a:t>
+            </a:r>
+          </a:p>
+          <a:p>
+            <a:pPr marL="139700" indent="0">
+              <a:buNone/>
+            </a:pPr>
+            <a:r>
+              <a:rPr lang="en-US" altLang="ko-KR" sz="700" dirty="0"/>
+              <a:t>    if (</a:t>
+            </a:r>
+            <a:r>
+              <a:rPr lang="en-US" altLang="ko-KR" sz="700" dirty="0" err="1"/>
+              <a:t>ganttRef.current</a:t>
+            </a:r>
+            <a:r>
+              <a:rPr lang="en-US" altLang="ko-KR" sz="700" dirty="0"/>
+              <a:t>) {</a:t>
+            </a:r>
+          </a:p>
+          <a:p>
+            <a:pPr marL="139700" indent="0">
+              <a:buNone/>
+            </a:pPr>
+            <a:r>
+              <a:rPr lang="en-US" altLang="ko-KR" sz="700" dirty="0"/>
+              <a:t>      new Gantt(</a:t>
+            </a:r>
+            <a:r>
+              <a:rPr lang="en-US" altLang="ko-KR" sz="700" dirty="0" err="1"/>
+              <a:t>ganttRef.current</a:t>
+            </a:r>
+            <a:r>
+              <a:rPr lang="en-US" altLang="ko-KR" sz="700" dirty="0"/>
+              <a:t>, tasks, {</a:t>
+            </a:r>
+          </a:p>
+          <a:p>
+            <a:pPr marL="139700" indent="0">
+              <a:buNone/>
+            </a:pPr>
+            <a:r>
+              <a:rPr lang="en-US" altLang="ko-KR" sz="700" dirty="0"/>
+              <a:t>        </a:t>
+            </a:r>
+            <a:r>
+              <a:rPr lang="en-US" altLang="ko-KR" sz="700" dirty="0" err="1"/>
+              <a:t>view_mode</a:t>
+            </a:r>
+            <a:r>
+              <a:rPr lang="en-US" altLang="ko-KR" sz="700" dirty="0"/>
+              <a:t>: "Week",</a:t>
+            </a:r>
+          </a:p>
+          <a:p>
+            <a:pPr marL="139700" indent="0">
+              <a:buNone/>
+            </a:pPr>
+            <a:r>
+              <a:rPr lang="en-US" altLang="ko-KR" sz="700" dirty="0"/>
+              <a:t>        language: "</a:t>
+            </a:r>
+            <a:r>
+              <a:rPr lang="en-US" altLang="ko-KR" sz="700" dirty="0" err="1"/>
+              <a:t>ko</a:t>
+            </a:r>
+            <a:r>
+              <a:rPr lang="en-US" altLang="ko-KR" sz="700" dirty="0"/>
+              <a:t>",</a:t>
+            </a:r>
+          </a:p>
+          <a:p>
+            <a:pPr marL="139700" indent="0">
+              <a:buNone/>
+            </a:pPr>
+            <a:r>
+              <a:rPr lang="en-US" altLang="ko-KR" sz="700" dirty="0"/>
+              <a:t>      });</a:t>
+            </a:r>
+          </a:p>
+          <a:p>
+            <a:pPr marL="139700" indent="0">
+              <a:buNone/>
+            </a:pPr>
+            <a:r>
+              <a:rPr lang="en-US" altLang="ko-KR" sz="700" dirty="0"/>
+              <a:t>    }</a:t>
+            </a:r>
+          </a:p>
+          <a:p>
+            <a:pPr marL="139700" indent="0">
+              <a:buNone/>
+            </a:pPr>
+            <a:r>
+              <a:rPr lang="en-US" altLang="ko-KR" sz="700" dirty="0"/>
+              <a:t>  }, []);</a:t>
+            </a:r>
+          </a:p>
+          <a:p>
+            <a:pPr marL="139700" indent="0">
+              <a:buNone/>
+            </a:pPr>
+            <a:endParaRPr lang="en-US" altLang="ko-KR" sz="700" dirty="0"/>
+          </a:p>
+          <a:p>
+            <a:pPr marL="139700" indent="0">
+              <a:buNone/>
+            </a:pPr>
+            <a:r>
+              <a:rPr lang="en-US" altLang="ko-KR" sz="700" dirty="0"/>
+              <a:t>  return &lt;div ref={</a:t>
+            </a:r>
+            <a:r>
+              <a:rPr lang="en-US" altLang="ko-KR" sz="700" dirty="0" err="1"/>
+              <a:t>ganttRef</a:t>
+            </a:r>
+            <a:r>
+              <a:rPr lang="en-US" altLang="ko-KR" sz="700" dirty="0"/>
+              <a:t>}&gt;&lt;/div&gt;;</a:t>
+            </a:r>
+          </a:p>
+          <a:p>
+            <a:pPr marL="139700" indent="0">
+              <a:buNone/>
+            </a:pPr>
+            <a:r>
+              <a:rPr lang="en-US" altLang="ko-KR" sz="700" dirty="0"/>
+              <a:t>};</a:t>
+            </a:r>
+          </a:p>
+          <a:p>
+            <a:pPr marL="139700" indent="0">
+              <a:buNone/>
+            </a:pPr>
+            <a:endParaRPr lang="en-US" altLang="ko-KR" sz="700" dirty="0"/>
+          </a:p>
+          <a:p>
+            <a:pPr marL="139700" indent="0">
+              <a:buNone/>
+            </a:pPr>
+            <a:r>
+              <a:rPr lang="en-US" altLang="ko-KR" sz="700" dirty="0"/>
+              <a:t>export default </a:t>
+            </a:r>
+            <a:r>
+              <a:rPr lang="en-US" altLang="ko-KR" sz="700" dirty="0" err="1"/>
+              <a:t>GanttChart</a:t>
+            </a:r>
+            <a:r>
+              <a:rPr lang="en-US" altLang="ko-KR" sz="700" dirty="0"/>
+              <a:t>;</a:t>
+            </a:r>
+            <a:endParaRPr lang="ko-KR" altLang="en-US" sz="700" dirty="0"/>
+          </a:p>
+        </p:txBody>
+      </p:sp>
+      <p:sp>
+        <p:nvSpPr>
+          <p:cNvPr id="10" name="텍스트 개체 틀 7"/>
+          <p:cNvSpPr txBox="1">
+            <a:spLocks/>
+          </p:cNvSpPr>
+          <p:nvPr/>
+        </p:nvSpPr>
+        <p:spPr>
+          <a:xfrm>
+            <a:off x="2646953" y="1065069"/>
+            <a:ext cx="1705359" cy="3416400"/>
+          </a:xfrm>
+          <a:prstGeom prst="rect">
+            <a:avLst/>
+          </a:prstGeom>
+          <a:noFill/>
+          <a:ln>
+            <a:noFill/>
+          </a:ln>
+        </p:spPr>
+        <p:txBody>
+          <a:bodyPr spcFirstLastPara="1" wrap="square" lIns="91425" tIns="91425" rIns="91425" bIns="91425" anchor="t" anchorCtr="0">
+            <a:noAutofit/>
+          </a:bodyPr>
+          <a:lstStyle>
+            <a:defPPr marR="0" lvl="0" algn="l" rtl="0">
+              <a:lnSpc>
+                <a:spcPct val="100000"/>
+              </a:lnSpc>
+              <a:spcBef>
+                <a:spcPts val="0"/>
+              </a:spcBef>
+              <a:spcAft>
+                <a:spcPts val="0"/>
+              </a:spcAft>
+            </a:defPPr>
+            <a:lvl1pPr marL="457200" marR="0" lvl="0" indent="-317500" algn="l" rtl="0">
+              <a:lnSpc>
+                <a:spcPct val="115000"/>
+              </a:lnSpc>
+              <a:spcBef>
+                <a:spcPts val="0"/>
+              </a:spcBef>
+              <a:spcAft>
+                <a:spcPts val="0"/>
+              </a:spcAft>
+              <a:buClr>
+                <a:schemeClr val="dk2"/>
+              </a:buClr>
+              <a:buSzPts val="1400"/>
+              <a:buFont typeface="Arial"/>
+              <a:buChar char="●"/>
+              <a:defRPr sz="1400" b="0" i="0" u="none" strike="noStrike" cap="none">
+                <a:solidFill>
+                  <a:schemeClr val="dk2"/>
+                </a:solidFill>
+                <a:latin typeface="Arial"/>
+                <a:ea typeface="Arial"/>
+                <a:cs typeface="Arial"/>
+                <a:sym typeface="Arial"/>
+              </a:defRPr>
+            </a:lvl1pPr>
+            <a:lvl2pPr marL="914400" marR="0" lvl="1" indent="-304800" algn="l" rtl="0">
+              <a:lnSpc>
+                <a:spcPct val="115000"/>
+              </a:lnSpc>
+              <a:spcBef>
+                <a:spcPts val="0"/>
+              </a:spcBef>
+              <a:spcAft>
+                <a:spcPts val="0"/>
+              </a:spcAft>
+              <a:buClr>
+                <a:schemeClr val="dk2"/>
+              </a:buClr>
+              <a:buSzPts val="1200"/>
+              <a:buFont typeface="Arial"/>
+              <a:buChar char="○"/>
+              <a:defRPr sz="1200" b="0" i="0" u="none" strike="noStrike" cap="none">
+                <a:solidFill>
+                  <a:schemeClr val="dk2"/>
+                </a:solidFill>
+                <a:latin typeface="Arial"/>
+                <a:ea typeface="Arial"/>
+                <a:cs typeface="Arial"/>
+                <a:sym typeface="Arial"/>
+              </a:defRPr>
+            </a:lvl2pPr>
+            <a:lvl3pPr marL="1371600" marR="0" lvl="2" indent="-304800" algn="l" rtl="0">
+              <a:lnSpc>
+                <a:spcPct val="115000"/>
+              </a:lnSpc>
+              <a:spcBef>
+                <a:spcPts val="0"/>
+              </a:spcBef>
+              <a:spcAft>
+                <a:spcPts val="0"/>
+              </a:spcAft>
+              <a:buClr>
+                <a:schemeClr val="dk2"/>
+              </a:buClr>
+              <a:buSzPts val="1200"/>
+              <a:buFont typeface="Arial"/>
+              <a:buChar char="■"/>
+              <a:defRPr sz="1200" b="0" i="0" u="none" strike="noStrike" cap="none">
+                <a:solidFill>
+                  <a:schemeClr val="dk2"/>
+                </a:solidFill>
+                <a:latin typeface="Arial"/>
+                <a:ea typeface="Arial"/>
+                <a:cs typeface="Arial"/>
+                <a:sym typeface="Arial"/>
+              </a:defRPr>
+            </a:lvl3pPr>
+            <a:lvl4pPr marL="1828800" marR="0" lvl="3" indent="-304800" algn="l" rtl="0">
+              <a:lnSpc>
+                <a:spcPct val="115000"/>
+              </a:lnSpc>
+              <a:spcBef>
+                <a:spcPts val="0"/>
+              </a:spcBef>
+              <a:spcAft>
+                <a:spcPts val="0"/>
+              </a:spcAft>
+              <a:buClr>
+                <a:schemeClr val="dk2"/>
+              </a:buClr>
+              <a:buSzPts val="1200"/>
+              <a:buFont typeface="Arial"/>
+              <a:buChar char="●"/>
+              <a:defRPr sz="1200" b="0" i="0" u="none" strike="noStrike" cap="none">
+                <a:solidFill>
+                  <a:schemeClr val="dk2"/>
+                </a:solidFill>
+                <a:latin typeface="Arial"/>
+                <a:ea typeface="Arial"/>
+                <a:cs typeface="Arial"/>
+                <a:sym typeface="Arial"/>
+              </a:defRPr>
+            </a:lvl4pPr>
+            <a:lvl5pPr marL="2286000" marR="0" lvl="4" indent="-304800" algn="l" rtl="0">
+              <a:lnSpc>
+                <a:spcPct val="115000"/>
+              </a:lnSpc>
+              <a:spcBef>
+                <a:spcPts val="0"/>
+              </a:spcBef>
+              <a:spcAft>
+                <a:spcPts val="0"/>
+              </a:spcAft>
+              <a:buClr>
+                <a:schemeClr val="dk2"/>
+              </a:buClr>
+              <a:buSzPts val="1200"/>
+              <a:buFont typeface="Arial"/>
+              <a:buChar char="○"/>
+              <a:defRPr sz="1200" b="0" i="0" u="none" strike="noStrike" cap="none">
+                <a:solidFill>
+                  <a:schemeClr val="dk2"/>
+                </a:solidFill>
+                <a:latin typeface="Arial"/>
+                <a:ea typeface="Arial"/>
+                <a:cs typeface="Arial"/>
+                <a:sym typeface="Arial"/>
+              </a:defRPr>
+            </a:lvl5pPr>
+            <a:lvl6pPr marL="2743200" marR="0" lvl="5" indent="-304800" algn="l" rtl="0">
+              <a:lnSpc>
+                <a:spcPct val="115000"/>
+              </a:lnSpc>
+              <a:spcBef>
+                <a:spcPts val="0"/>
+              </a:spcBef>
+              <a:spcAft>
+                <a:spcPts val="0"/>
+              </a:spcAft>
+              <a:buClr>
+                <a:schemeClr val="dk2"/>
+              </a:buClr>
+              <a:buSzPts val="1200"/>
+              <a:buFont typeface="Arial"/>
+              <a:buChar char="■"/>
+              <a:defRPr sz="1200" b="0" i="0" u="none" strike="noStrike" cap="none">
+                <a:solidFill>
+                  <a:schemeClr val="dk2"/>
+                </a:solidFill>
+                <a:latin typeface="Arial"/>
+                <a:ea typeface="Arial"/>
+                <a:cs typeface="Arial"/>
+                <a:sym typeface="Arial"/>
+              </a:defRPr>
+            </a:lvl6pPr>
+            <a:lvl7pPr marL="3200400" marR="0" lvl="6" indent="-304800" algn="l" rtl="0">
+              <a:lnSpc>
+                <a:spcPct val="115000"/>
+              </a:lnSpc>
+              <a:spcBef>
+                <a:spcPts val="0"/>
+              </a:spcBef>
+              <a:spcAft>
+                <a:spcPts val="0"/>
+              </a:spcAft>
+              <a:buClr>
+                <a:schemeClr val="dk2"/>
+              </a:buClr>
+              <a:buSzPts val="1200"/>
+              <a:buFont typeface="Arial"/>
+              <a:buChar char="●"/>
+              <a:defRPr sz="1200" b="0" i="0" u="none" strike="noStrike" cap="none">
+                <a:solidFill>
+                  <a:schemeClr val="dk2"/>
+                </a:solidFill>
+                <a:latin typeface="Arial"/>
+                <a:ea typeface="Arial"/>
+                <a:cs typeface="Arial"/>
+                <a:sym typeface="Arial"/>
+              </a:defRPr>
+            </a:lvl7pPr>
+            <a:lvl8pPr marL="3657600" marR="0" lvl="7" indent="-304800" algn="l" rtl="0">
+              <a:lnSpc>
+                <a:spcPct val="115000"/>
+              </a:lnSpc>
+              <a:spcBef>
+                <a:spcPts val="0"/>
+              </a:spcBef>
+              <a:spcAft>
+                <a:spcPts val="0"/>
+              </a:spcAft>
+              <a:buClr>
+                <a:schemeClr val="dk2"/>
+              </a:buClr>
+              <a:buSzPts val="1200"/>
+              <a:buFont typeface="Arial"/>
+              <a:buChar char="○"/>
+              <a:defRPr sz="1200" b="0" i="0" u="none" strike="noStrike" cap="none">
+                <a:solidFill>
+                  <a:schemeClr val="dk2"/>
+                </a:solidFill>
+                <a:latin typeface="Arial"/>
+                <a:ea typeface="Arial"/>
+                <a:cs typeface="Arial"/>
+                <a:sym typeface="Arial"/>
+              </a:defRPr>
+            </a:lvl8pPr>
+            <a:lvl9pPr marL="4114800" marR="0" lvl="8" indent="-304800" algn="l" rtl="0">
+              <a:lnSpc>
+                <a:spcPct val="115000"/>
+              </a:lnSpc>
+              <a:spcBef>
+                <a:spcPts val="0"/>
+              </a:spcBef>
+              <a:spcAft>
+                <a:spcPts val="0"/>
+              </a:spcAft>
+              <a:buClr>
+                <a:schemeClr val="dk2"/>
+              </a:buClr>
+              <a:buSzPts val="1200"/>
+              <a:buFont typeface="Arial"/>
+              <a:buChar char="■"/>
+              <a:defRPr sz="1200" b="0" i="0" u="none" strike="noStrike" cap="none">
+                <a:solidFill>
+                  <a:schemeClr val="dk2"/>
+                </a:solidFill>
+                <a:latin typeface="Arial"/>
+                <a:ea typeface="Arial"/>
+                <a:cs typeface="Arial"/>
+                <a:sym typeface="Arial"/>
+              </a:defRPr>
+            </a:lvl9pPr>
+          </a:lstStyle>
+          <a:p>
+            <a:pPr marL="139700" indent="0">
+              <a:buFont typeface="Arial"/>
+              <a:buNone/>
+            </a:pPr>
+            <a:r>
+              <a:rPr lang="en-US" altLang="ko-KR" sz="700" dirty="0" smtClean="0"/>
+              <a:t>    {</a:t>
+            </a:r>
+          </a:p>
+          <a:p>
+            <a:pPr marL="139700" indent="0">
+              <a:buFont typeface="Arial"/>
+              <a:buNone/>
+            </a:pPr>
+            <a:r>
+              <a:rPr lang="en-US" altLang="ko-KR" sz="700" dirty="0" smtClean="0"/>
+              <a:t>      id: "4",</a:t>
+            </a:r>
+          </a:p>
+          <a:p>
+            <a:pPr marL="139700" indent="0">
+              <a:buFont typeface="Arial"/>
+              <a:buNone/>
+            </a:pPr>
+            <a:r>
+              <a:rPr lang="en-US" altLang="ko-KR" sz="700" dirty="0" smtClean="0"/>
+              <a:t>      name: "</a:t>
+            </a:r>
+            <a:r>
+              <a:rPr lang="ko-KR" altLang="en-US" sz="700" dirty="0" smtClean="0"/>
+              <a:t>위치 기반 서비스</a:t>
+            </a:r>
+            <a:r>
+              <a:rPr lang="en-US" altLang="ko-KR" sz="700" dirty="0" smtClean="0"/>
+              <a:t>/</a:t>
+            </a:r>
+            <a:r>
+              <a:rPr lang="ko-KR" altLang="en-US" sz="700" dirty="0" smtClean="0"/>
+              <a:t>지도 기능</a:t>
+            </a:r>
+            <a:r>
+              <a:rPr lang="en-US" altLang="ko-KR" sz="700" dirty="0" smtClean="0"/>
+              <a:t>",</a:t>
+            </a:r>
+          </a:p>
+          <a:p>
+            <a:pPr marL="139700" indent="0">
+              <a:buFont typeface="Arial"/>
+              <a:buNone/>
+            </a:pPr>
+            <a:r>
+              <a:rPr lang="en-US" altLang="ko-KR" sz="700" dirty="0" smtClean="0"/>
+              <a:t>      start: "2025-06-05",</a:t>
+            </a:r>
+          </a:p>
+          <a:p>
+            <a:pPr marL="139700" indent="0">
+              <a:buFont typeface="Arial"/>
+              <a:buNone/>
+            </a:pPr>
+            <a:r>
+              <a:rPr lang="en-US" altLang="ko-KR" sz="700" dirty="0" smtClean="0"/>
+              <a:t>      end: "2025-06-22",</a:t>
+            </a:r>
+          </a:p>
+          <a:p>
+            <a:pPr marL="139700" indent="0">
+              <a:buFont typeface="Arial"/>
+              <a:buNone/>
+            </a:pPr>
+            <a:r>
+              <a:rPr lang="en-US" altLang="ko-KR" sz="700" dirty="0" smtClean="0"/>
+              <a:t>      progress: 80,</a:t>
+            </a:r>
+          </a:p>
+          <a:p>
+            <a:pPr marL="139700" indent="0">
+              <a:buFont typeface="Arial"/>
+              <a:buNone/>
+            </a:pPr>
+            <a:r>
+              <a:rPr lang="en-US" altLang="ko-KR" sz="700" dirty="0" smtClean="0"/>
+              <a:t>    },</a:t>
+            </a:r>
+          </a:p>
+          <a:p>
+            <a:pPr marL="139700" indent="0">
+              <a:buFont typeface="Arial"/>
+              <a:buNone/>
+            </a:pPr>
+            <a:r>
+              <a:rPr lang="en-US" altLang="ko-KR" sz="700" dirty="0" smtClean="0"/>
+              <a:t>    {</a:t>
+            </a:r>
+          </a:p>
+          <a:p>
+            <a:pPr marL="139700" indent="0">
+              <a:buFont typeface="Arial"/>
+              <a:buNone/>
+            </a:pPr>
+            <a:r>
+              <a:rPr lang="en-US" altLang="ko-KR" sz="700" dirty="0" smtClean="0"/>
+              <a:t>      id: "5",</a:t>
+            </a:r>
+          </a:p>
+          <a:p>
+            <a:pPr marL="139700" indent="0">
+              <a:buFont typeface="Arial"/>
+              <a:buNone/>
+            </a:pPr>
+            <a:r>
+              <a:rPr lang="en-US" altLang="ko-KR" sz="700" dirty="0" smtClean="0"/>
+              <a:t>      name: "</a:t>
+            </a:r>
+            <a:r>
+              <a:rPr lang="ko-KR" altLang="en-US" sz="700" dirty="0" err="1" smtClean="0"/>
+              <a:t>북마크</a:t>
+            </a:r>
+            <a:r>
+              <a:rPr lang="ko-KR" altLang="en-US" sz="700" dirty="0" smtClean="0"/>
+              <a:t> 기능</a:t>
+            </a:r>
+            <a:r>
+              <a:rPr lang="en-US" altLang="ko-KR" sz="700" dirty="0" smtClean="0"/>
+              <a:t>",</a:t>
+            </a:r>
+          </a:p>
+          <a:p>
+            <a:pPr marL="139700" indent="0">
+              <a:buFont typeface="Arial"/>
+              <a:buNone/>
+            </a:pPr>
+            <a:r>
+              <a:rPr lang="en-US" altLang="ko-KR" sz="700" dirty="0" smtClean="0"/>
+              <a:t>      start: "2025-06-10",</a:t>
+            </a:r>
+          </a:p>
+          <a:p>
+            <a:pPr marL="139700" indent="0">
+              <a:buFont typeface="Arial"/>
+              <a:buNone/>
+            </a:pPr>
+            <a:r>
+              <a:rPr lang="en-US" altLang="ko-KR" sz="700" dirty="0" smtClean="0"/>
+              <a:t>      end: "2025-06-22",</a:t>
+            </a:r>
+          </a:p>
+          <a:p>
+            <a:pPr marL="139700" indent="0">
+              <a:buFont typeface="Arial"/>
+              <a:buNone/>
+            </a:pPr>
+            <a:r>
+              <a:rPr lang="en-US" altLang="ko-KR" sz="700" dirty="0" smtClean="0"/>
+              <a:t>      progress: 20,</a:t>
+            </a:r>
+          </a:p>
+          <a:p>
+            <a:pPr marL="139700" indent="0">
+              <a:buFont typeface="Arial"/>
+              <a:buNone/>
+            </a:pPr>
+            <a:r>
+              <a:rPr lang="en-US" altLang="ko-KR" sz="700" dirty="0" smtClean="0"/>
+              <a:t>    },</a:t>
+            </a:r>
+          </a:p>
+          <a:p>
+            <a:pPr marL="139700" indent="0">
+              <a:buNone/>
+            </a:pPr>
+            <a:r>
+              <a:rPr lang="en-US" altLang="ko-KR" sz="700" dirty="0"/>
+              <a:t> </a:t>
+            </a:r>
+            <a:r>
+              <a:rPr lang="en-US" altLang="ko-KR" sz="700" dirty="0" smtClean="0"/>
+              <a:t>   { </a:t>
+            </a:r>
+            <a:endParaRPr lang="en-US" altLang="ko-KR" sz="700" dirty="0"/>
+          </a:p>
+          <a:p>
+            <a:pPr marL="139700" indent="0">
+              <a:buNone/>
+            </a:pPr>
+            <a:r>
+              <a:rPr lang="en-US" altLang="ko-KR" sz="700" dirty="0"/>
+              <a:t>      id: "6",</a:t>
+            </a:r>
+          </a:p>
+          <a:p>
+            <a:pPr marL="139700" indent="0">
+              <a:buNone/>
+            </a:pPr>
+            <a:r>
+              <a:rPr lang="en-US" altLang="ko-KR" sz="700" dirty="0"/>
+              <a:t>      name: "</a:t>
+            </a:r>
+            <a:r>
+              <a:rPr lang="ko-KR" altLang="en-US" sz="700" dirty="0"/>
+              <a:t>리뷰 기능</a:t>
+            </a:r>
+            <a:r>
+              <a:rPr lang="en-US" altLang="ko-KR" sz="700" dirty="0"/>
+              <a:t>",</a:t>
+            </a:r>
+          </a:p>
+          <a:p>
+            <a:pPr marL="139700" indent="0">
+              <a:buNone/>
+            </a:pPr>
+            <a:r>
+              <a:rPr lang="en-US" altLang="ko-KR" sz="700" dirty="0"/>
+              <a:t>      start: "2025-06-14",</a:t>
+            </a:r>
+          </a:p>
+          <a:p>
+            <a:pPr marL="139700" indent="0">
+              <a:buNone/>
+            </a:pPr>
+            <a:r>
+              <a:rPr lang="en-US" altLang="ko-KR" sz="700" dirty="0"/>
+              <a:t>      end: "2025-06-22",</a:t>
+            </a:r>
+          </a:p>
+          <a:p>
+            <a:pPr marL="139700" indent="0">
+              <a:buNone/>
+            </a:pPr>
+            <a:r>
+              <a:rPr lang="en-US" altLang="ko-KR" sz="700" dirty="0"/>
+              <a:t>      progress: 50,</a:t>
+            </a:r>
+          </a:p>
+          <a:p>
+            <a:pPr marL="139700" indent="0">
+              <a:buNone/>
+            </a:pPr>
+            <a:r>
+              <a:rPr lang="en-US" altLang="ko-KR" sz="700" dirty="0"/>
+              <a:t>    },</a:t>
+            </a:r>
+          </a:p>
+          <a:p>
+            <a:pPr marL="139700" indent="0">
+              <a:buNone/>
+            </a:pPr>
+            <a:r>
+              <a:rPr lang="en-US" altLang="ko-KR" sz="700" dirty="0"/>
+              <a:t>    {</a:t>
+            </a:r>
+          </a:p>
+          <a:p>
+            <a:pPr marL="139700" indent="0">
+              <a:buNone/>
+            </a:pPr>
+            <a:r>
+              <a:rPr lang="en-US" altLang="ko-KR" sz="700" dirty="0"/>
+              <a:t>      id: "7",</a:t>
+            </a:r>
+          </a:p>
+          <a:p>
+            <a:pPr marL="139700" indent="0">
+              <a:buNone/>
+            </a:pPr>
+            <a:r>
+              <a:rPr lang="en-US" altLang="ko-KR" sz="700" dirty="0"/>
+              <a:t>      name: "</a:t>
+            </a:r>
+            <a:r>
+              <a:rPr lang="ko-KR" altLang="en-US" sz="700" dirty="0" err="1"/>
+              <a:t>피드</a:t>
+            </a:r>
+            <a:r>
+              <a:rPr lang="ko-KR" altLang="en-US" sz="700" dirty="0"/>
+              <a:t> 기능</a:t>
+            </a:r>
+            <a:r>
+              <a:rPr lang="en-US" altLang="ko-KR" sz="700" dirty="0"/>
+              <a:t>",</a:t>
+            </a:r>
+          </a:p>
+          <a:p>
+            <a:pPr marL="139700" indent="0">
+              <a:buNone/>
+            </a:pPr>
+            <a:r>
+              <a:rPr lang="en-US" altLang="ko-KR" sz="700" dirty="0"/>
+              <a:t>      start: "2025-06-17",</a:t>
+            </a:r>
+          </a:p>
+          <a:p>
+            <a:pPr marL="139700" indent="0">
+              <a:buNone/>
+            </a:pPr>
+            <a:r>
+              <a:rPr lang="en-US" altLang="ko-KR" sz="700" dirty="0"/>
+              <a:t>      end: "2025-06-22",</a:t>
+            </a:r>
+          </a:p>
+          <a:p>
+            <a:pPr marL="139700" indent="0">
+              <a:buNone/>
+            </a:pPr>
+            <a:r>
+              <a:rPr lang="en-US" altLang="ko-KR" sz="700" dirty="0"/>
+              <a:t>      progress: 20,</a:t>
+            </a:r>
+          </a:p>
+          <a:p>
+            <a:pPr marL="139700" indent="0">
+              <a:buNone/>
+            </a:pPr>
+            <a:r>
+              <a:rPr lang="en-US" altLang="ko-KR" sz="700" dirty="0"/>
+              <a:t>    },</a:t>
+            </a:r>
+          </a:p>
+        </p:txBody>
+      </p:sp>
+    </p:spTree>
+    <p:extLst>
+      <p:ext uri="{BB962C8B-B14F-4D97-AF65-F5344CB8AC3E}">
+        <p14:creationId xmlns:p14="http://schemas.microsoft.com/office/powerpoint/2010/main" val="2254825999"/>
+      </p:ext>
+    </p:extLst>
+  </p:cSld>
+  <p:clrMapOvr>
+    <a:masterClrMapping/>
+  </p:clrMapOvr>
+  <p:timing>
+    <p:tnLst>
+      <p:par>
+        <p:cTn id="1" dur="indefinite" restart="never" nodeType="tmRoot"/>
+      </p:par>
+    </p:tnLst>
+  </p:timing>
+</p:sld>
+</file>
+
+<file path=ppt/slides/slide8.xml><?xml version="1.0" encoding="utf-8"?>
+<p:sld xmlns:a="http://schemas.openxmlformats.org/drawingml/2006/main" xmlns:r="http://schemas.openxmlformats.org/officeDocument/2006/relationships" xmlns:p="http://schemas.openxmlformats.org/presentationml/2006/main">
+  <p:cSld>
+    <p:spTree>
+      <p:nvGrpSpPr>
+        <p:cNvPr id="1" name=""/>
+        <p:cNvGrpSpPr/>
+        <p:nvPr/>
+      </p:nvGrpSpPr>
+      <p:grpSpPr>
+        <a:xfrm>
+          <a:off x="0" y="0"/>
+          <a:ext cx="0" cy="0"/>
+          <a:chOff x="0" y="0"/>
+          <a:chExt cx="0" cy="0"/>
+        </a:xfrm>
+      </p:grpSpPr>
+      <p:pic>
+        <p:nvPicPr>
+          <p:cNvPr id="5" name="그림 4"/>
+          <p:cNvPicPr>
+            <a:picLocks noChangeAspect="1"/>
+          </p:cNvPicPr>
+          <p:nvPr/>
+        </p:nvPicPr>
+        <p:blipFill rotWithShape="1">
+          <a:blip r:embed="rId2">
+            <a:extLst>
+              <a:ext uri="{28A0092B-C50C-407E-A947-70E740481C1C}">
+                <a14:useLocalDpi xmlns:a14="http://schemas.microsoft.com/office/drawing/2010/main" val="0"/>
+              </a:ext>
+            </a:extLst>
+          </a:blip>
+          <a:srcRect b="62218"/>
+          <a:stretch/>
+        </p:blipFill>
+        <p:spPr>
+          <a:xfrm>
+            <a:off x="1138164" y="275665"/>
+            <a:ext cx="6217377" cy="1321332"/>
+          </a:xfrm>
+          <a:prstGeom prst="rect">
+            <a:avLst/>
+          </a:prstGeom>
+        </p:spPr>
+      </p:pic>
+      <p:pic>
+        <p:nvPicPr>
+          <p:cNvPr id="6" name="그림 5"/>
+          <p:cNvPicPr>
+            <a:picLocks noChangeAspect="1"/>
+          </p:cNvPicPr>
+          <p:nvPr/>
+        </p:nvPicPr>
+        <p:blipFill rotWithShape="1">
+          <a:blip r:embed="rId3">
+            <a:extLst>
+              <a:ext uri="{28A0092B-C50C-407E-A947-70E740481C1C}">
+                <a14:useLocalDpi xmlns:a14="http://schemas.microsoft.com/office/drawing/2010/main" val="0"/>
+              </a:ext>
+            </a:extLst>
+          </a:blip>
+          <a:srcRect b="46727"/>
+          <a:stretch/>
+        </p:blipFill>
+        <p:spPr>
+          <a:xfrm>
+            <a:off x="1265911" y="1332105"/>
+            <a:ext cx="6089630" cy="1824797"/>
+          </a:xfrm>
+          <a:prstGeom prst="rect">
+            <a:avLst/>
+          </a:prstGeom>
+        </p:spPr>
+      </p:pic>
+      <p:pic>
+        <p:nvPicPr>
+          <p:cNvPr id="7" name="그림 6"/>
+          <p:cNvPicPr>
+            <a:picLocks noChangeAspect="1"/>
+          </p:cNvPicPr>
+          <p:nvPr/>
+        </p:nvPicPr>
+        <p:blipFill rotWithShape="1">
+          <a:blip r:embed="rId4">
+            <a:extLst>
+              <a:ext uri="{28A0092B-C50C-407E-A947-70E740481C1C}">
+                <a14:useLocalDpi xmlns:a14="http://schemas.microsoft.com/office/drawing/2010/main" val="0"/>
+              </a:ext>
+            </a:extLst>
+          </a:blip>
+          <a:srcRect t="1" r="218" b="44130"/>
+          <a:stretch/>
+        </p:blipFill>
+        <p:spPr>
+          <a:xfrm>
+            <a:off x="1265911" y="3167675"/>
+            <a:ext cx="6089630" cy="1917948"/>
+          </a:xfrm>
+          <a:prstGeom prst="rect">
+            <a:avLst/>
+          </a:prstGeom>
+        </p:spPr>
+      </p:pic>
+    </p:spTree>
+    <p:extLst>
+      <p:ext uri="{BB962C8B-B14F-4D97-AF65-F5344CB8AC3E}">
+        <p14:creationId xmlns:p14="http://schemas.microsoft.com/office/powerpoint/2010/main" val="3661041327"/>
+      </p:ext>
+    </p:extLst>
+  </p:cSld>
+  <p:clrMapOvr>
+    <a:masterClrMapping/>
+  </p:clrMapOvr>
+  <p:timing>
+    <p:tnLst>
+      <p:par>
+        <p:cTn id="1" dur="indefinite" restart="never" nodeType="tmRoot"/>
+      </p:par>
+    </p:tnLst>
+  </p:timing>
+</p:sld>
+</file>
+
+<file path=ppt/slides/slide9.xml><?xml version="1.0" encoding="utf-8"?>
 <p:sld xmlns:a="http://schemas.openxmlformats.org/drawingml/2006/main" xmlns:r="http://schemas.openxmlformats.org/officeDocument/2006/relationships" xmlns:p="http://schemas.openxmlformats.org/presentationml/2006/main">
   <p:cSld>
     <p:spTree>
@@ -14792,10 +16923,6 @@
           </p:nvPr>
         </p:nvSpPr>
         <p:spPr>
-          <a:xfrm>
-            <a:off x="311700" y="445025"/>
-            <a:ext cx="8520600" cy="572700"/>
-          </a:xfrm>
           <a:prstGeom prst="rect">
             <a:avLst/>
           </a:prstGeom>
@@ -14842,10 +16969,6 @@
           </p:nvPr>
         </p:nvSpPr>
         <p:spPr>
-          <a:xfrm>
-            <a:off x="311700" y="1152475"/>
-            <a:ext cx="8520600" cy="3416400"/>
-          </a:xfrm>
           <a:prstGeom prst="rect">
             <a:avLst/>
           </a:prstGeom>
@@ -14862,7 +16985,7 @@
           <a:p>
             <a:pPr marL="457200" lvl="0" indent="-317500" algn="l" rtl="0">
               <a:lnSpc>
-                <a:spcPct val="200000"/>
+                <a:spcPct val="100000"/>
               </a:lnSpc>
               <a:spcBef>
                 <a:spcPts val="0"/>
@@ -14877,14 +17000,54 @@
               <a:buChar char="●"/>
             </a:pPr>
             <a:r>
-              <a:rPr lang="ko" sz="1400">
+              <a:rPr lang="ko" sz="1400" dirty="0">
                 <a:solidFill>
                   <a:schemeClr val="dk1"/>
                 </a:solidFill>
               </a:rPr>
-              <a:t>앱 실행시 K-Taste 문구와 함께 실행 (일러스트레이터를 이용한 로고로 전환 가능성 있음</a:t>
-            </a:r>
-            <a:endParaRPr sz="1400">
+              <a:t>앱 실행시 K-Taste 문구와 함께 실행 (</a:t>
+            </a:r>
+            <a:r>
+              <a:rPr lang="ko" sz="1400" dirty="0" smtClean="0">
+                <a:solidFill>
+                  <a:schemeClr val="dk1"/>
+                </a:solidFill>
+              </a:rPr>
+              <a:t>일</a:t>
+            </a:r>
+            <a:r>
+              <a:rPr lang="ko-KR" altLang="en-US" dirty="0">
+                <a:solidFill>
+                  <a:schemeClr val="dk1"/>
+                </a:solidFill>
+              </a:rPr>
+              <a:t>러</a:t>
+            </a:r>
+            <a:r>
+              <a:rPr lang="ko" sz="1400" dirty="0" smtClean="0">
+                <a:solidFill>
+                  <a:schemeClr val="dk1"/>
+                </a:solidFill>
+              </a:rPr>
+              <a:t>스트레이터를 </a:t>
+            </a:r>
+            <a:r>
+              <a:rPr lang="ko" sz="1400" dirty="0">
+                <a:solidFill>
+                  <a:schemeClr val="dk1"/>
+                </a:solidFill>
+              </a:rPr>
+              <a:t>이용한 로고로 전환 가능성 </a:t>
+            </a:r>
+            <a:r>
+              <a:rPr lang="ko" sz="1400" dirty="0" smtClean="0">
+                <a:solidFill>
+                  <a:schemeClr val="dk1"/>
+                </a:solidFill>
+              </a:rPr>
+              <a:t>있음</a:t>
+            </a:r>
+            <a:endParaRPr lang="en-US" altLang="ko" sz="1400" dirty="0" smtClean="0">
               <a:solidFill>
                 <a:schemeClr val="dk1"/>
               </a:solidFill>
@@ -14893,7 +17056,7 @@
           <a:p>
             <a:pPr marL="457200" lvl="0" indent="-317500" algn="l" rtl="0">
               <a:lnSpc>
-                <a:spcPct val="200000"/>
+                <a:spcPct val="100000"/>
               </a:lnSpc>
               <a:spcBef>
                 <a:spcPts val="0"/>
@@ -14907,15 +17070,7 @@
               <a:buSzPts val="1400"/>
               <a:buChar char="●"/>
             </a:pPr>
-            <a:r>
-              <a:rPr lang="ko" sz="1400">
-                <a:solidFill>
-                  <a:schemeClr val="dk1"/>
-                </a:solidFill>
-              </a:rPr>
-              <a:t>앱 최초 실행시 login_screen(로그인 화면)으로 이동</a:t>
-            </a:r>
-            <a:endParaRPr sz="1400">
+            <a:endParaRPr sz="1400" dirty="0">
               <a:solidFill>
                 <a:schemeClr val="dk1"/>
               </a:solidFill>
@@ -14924,7 +17079,7 @@
           <a:p>
             <a:pPr marL="457200" lvl="0" indent="-317500" algn="l" rtl="0">
               <a:lnSpc>
-                <a:spcPct val="200000"/>
+                <a:spcPct val="100000"/>
               </a:lnSpc>
               <a:spcBef>
                 <a:spcPts val="0"/>
@@ -14939,441 +17094,137 @@
               <a:buChar char="●"/>
             </a:pPr>
             <a:r>
-              <a:rPr lang="ko" sz="1400">
+              <a:rPr lang="ko" sz="1400" dirty="0">
                 <a:solidFill>
                   <a:schemeClr val="dk1"/>
                 </a:solidFill>
               </a:rPr>
-              <a:t>자동로그인이 등록되어 있다면 바로 MainPage(메인 화면)으로 이동</a:t>
-            </a:r>
-            <a:endParaRPr sz="1400">
+              <a:t>앱 최초 실행시 login_screen(로그인 화면)으로 </a:t>
+            </a:r>
+            <a:r>
+              <a:rPr lang="ko" sz="1400" dirty="0" smtClean="0">
+                <a:solidFill>
+                  <a:schemeClr val="dk1"/>
+                </a:solidFill>
+              </a:rPr>
+              <a:t>이동</a:t>
+            </a:r>
+            <a:endParaRPr lang="en-US" altLang="ko" sz="1400" dirty="0" smtClean="0">
               <a:solidFill>
                 <a:schemeClr val="dk1"/>
               </a:solidFill>
             </a:endParaRPr>
           </a:p>
+          <a:p>
+            <a:pPr marL="457200" lvl="0" indent="-317500" algn="l" rtl="0">
+              <a:lnSpc>
+                <a:spcPct val="100000"/>
+              </a:lnSpc>
+              <a:spcBef>
+                <a:spcPts val="0"/>
+              </a:spcBef>
+              <a:spcAft>
+                <a:spcPts val="0"/>
+              </a:spcAft>
+              <a:buClr>
+                <a:schemeClr val="dk1"/>
+              </a:buClr>
+              <a:buSzPts val="1400"/>
+              <a:buChar char="●"/>
+            </a:pPr>
+            <a:endParaRPr sz="1400" dirty="0">
+              <a:solidFill>
+                <a:schemeClr val="dk1"/>
+              </a:solidFill>
+            </a:endParaRPr>
+          </a:p>
+          <a:p>
+            <a:pPr marL="457200" lvl="0" indent="-317500" algn="l" rtl="0">
+              <a:lnSpc>
+                <a:spcPct val="100000"/>
+              </a:lnSpc>
+              <a:spcBef>
+                <a:spcPts val="0"/>
+              </a:spcBef>
+              <a:spcAft>
+                <a:spcPts val="0"/>
+              </a:spcAft>
+              <a:buClr>
+                <a:schemeClr val="dk1"/>
+              </a:buClr>
+              <a:buSzPts val="1400"/>
+              <a:buChar char="●"/>
+            </a:pPr>
+            <a:r>
+              <a:rPr lang="ko" sz="1400" dirty="0">
+                <a:solidFill>
+                  <a:schemeClr val="dk1"/>
+                </a:solidFill>
+              </a:rPr>
+              <a:t>자동로그인이 등록되어 있다면 바로 MainPage(메인 화면)으로 이동</a:t>
+            </a:r>
+            <a:endParaRPr sz="1400" dirty="0">
+              <a:solidFill>
+                <a:schemeClr val="dk1"/>
+              </a:solidFill>
+            </a:endParaRPr>
+          </a:p>
         </p:txBody>
       </p:sp>
+      <p:pic>
+        <p:nvPicPr>
+          <p:cNvPr id="5" name="그림 4"/>
+          <p:cNvPicPr>
+            <a:picLocks noChangeAspect="1"/>
+          </p:cNvPicPr>
+          <p:nvPr/>
+        </p:nvPicPr>
+        <p:blipFill rotWithShape="1">
+          <a:blip r:embed="rId3">
+            <a:extLst>
+              <a:ext uri="{28A0092B-C50C-407E-A947-70E740481C1C}">
+                <a14:useLocalDpi xmlns:a14="http://schemas.microsoft.com/office/drawing/2010/main" val="0"/>
+              </a:ext>
+            </a:extLst>
+          </a:blip>
+          <a:srcRect l="1003" t="654" r="-1"/>
+          <a:stretch/>
+        </p:blipFill>
+        <p:spPr>
+          <a:xfrm>
+            <a:off x="5442699" y="1152475"/>
+            <a:ext cx="1674156" cy="3416400"/>
+          </a:xfrm>
+          <a:prstGeom prst="roundRect">
+            <a:avLst>
+              <a:gd name="adj" fmla="val 8594"/>
+            </a:avLst>
+          </a:prstGeom>
+          <a:solidFill>
+            <a:srgbClr val="FFFFFF">
+              <a:shade val="85000"/>
+            </a:srgbClr>
+          </a:solidFill>
+          <a:ln>
+            <a:noFill/>
+          </a:ln>
+          <a:effectLst>
+            <a:reflection blurRad="12700" stA="38000" endPos="28000" dist="5000" dir="5400000" sy="-100000" algn="bl" rotWithShape="0"/>
+          </a:effectLst>
+        </p:spPr>
+      </p:pic>
     </p:spTree>
   </p:cSld>
   <p:clrMapOvr>
     <a:masterClrMapping/>
   </p:clrMapOvr>
-</p:sld>
-</file>
-
-<file path=ppt/slides/slide8.xml><?xml version="1.0" encoding="utf-8"?>
-<p:sld xmlns:a="http://schemas.openxmlformats.org/drawingml/2006/main" xmlns:r="http://schemas.openxmlformats.org/officeDocument/2006/relationships" xmlns:p="http://schemas.openxmlformats.org/presentationml/2006/main">
-  <p:cSld>
-    <p:spTree>
-      <p:nvGrpSpPr>
-        <p:cNvPr id="1" name="Shape 96"/>
-        <p:cNvGrpSpPr/>
-        <p:nvPr/>
-      </p:nvGrpSpPr>
-      <p:grpSpPr>
-        <a:xfrm>
-          <a:off x="0" y="0"/>
-          <a:ext cx="0" cy="0"/>
-          <a:chOff x="0" y="0"/>
-          <a:chExt cx="0" cy="0"/>
-        </a:xfrm>
-      </p:grpSpPr>
-      <p:sp>
-        <p:nvSpPr>
-          <p:cNvPr id="97" name="Google Shape;97;p20"/>
-          <p:cNvSpPr txBox="1">
-            <a:spLocks noGrp="1"/>
-          </p:cNvSpPr>
-          <p:nvPr>
-            <p:ph type="title"/>
-          </p:nvPr>
-        </p:nvSpPr>
-        <p:spPr>
-          <a:xfrm>
-            <a:off x="311700" y="445025"/>
-            <a:ext cx="8520600" cy="572700"/>
-          </a:xfrm>
-          <a:prstGeom prst="rect">
-            <a:avLst/>
-          </a:prstGeom>
-          <a:noFill/>
-          <a:ln>
-            <a:noFill/>
-          </a:ln>
-        </p:spPr>
-        <p:txBody>
-          <a:bodyPr spcFirstLastPara="1" wrap="square" lIns="91425" tIns="91425" rIns="91425" bIns="91425" anchor="t" anchorCtr="0">
-            <a:normAutofit fontScale="90000"/>
-          </a:bodyPr>
-          <a:lstStyle/>
-          <a:p>
-            <a:pPr marL="0" lvl="0" indent="0" algn="l" rtl="0">
-              <a:lnSpc>
-                <a:spcPct val="100000"/>
-              </a:lnSpc>
-              <a:spcBef>
-                <a:spcPts val="0"/>
-              </a:spcBef>
-              <a:spcAft>
-                <a:spcPts val="0"/>
-              </a:spcAft>
-              <a:buSzPct val="111111"/>
-              <a:buNone/>
-            </a:pPr>
-            <a:r>
-              <a:rPr lang="ko"/>
-              <a:t>login_screen</a:t>
-            </a:r>
-            <a:endParaRPr/>
-          </a:p>
-        </p:txBody>
-      </p:sp>
-      <p:sp>
-        <p:nvSpPr>
-          <p:cNvPr id="98" name="Google Shape;98;p20"/>
-          <p:cNvSpPr txBox="1">
-            <a:spLocks noGrp="1"/>
-          </p:cNvSpPr>
-          <p:nvPr>
-            <p:ph type="body" idx="1"/>
-          </p:nvPr>
-        </p:nvSpPr>
-        <p:spPr>
-          <a:xfrm>
-            <a:off x="311700" y="1152475"/>
-            <a:ext cx="8520600" cy="3416400"/>
-          </a:xfrm>
-          <a:prstGeom prst="rect">
-            <a:avLst/>
-          </a:prstGeom>
-          <a:noFill/>
-          <a:ln>
-            <a:noFill/>
-          </a:ln>
-        </p:spPr>
-        <p:txBody>
-          <a:bodyPr spcFirstLastPara="1" wrap="square" lIns="91425" tIns="91425" rIns="91425" bIns="91425" anchor="t" anchorCtr="0">
-            <a:normAutofit/>
-          </a:bodyPr>
-          <a:lstStyle/>
-          <a:p>
-            <a:pPr marL="0" lvl="0" indent="0" algn="l" rtl="0">
-              <a:lnSpc>
-                <a:spcPct val="115000"/>
-              </a:lnSpc>
-              <a:spcBef>
-                <a:spcPts val="0"/>
-              </a:spcBef>
-              <a:spcAft>
-                <a:spcPts val="0"/>
-              </a:spcAft>
-              <a:buNone/>
-            </a:pPr>
-            <a:r>
-              <a:rPr lang="ko" sz="1400" dirty="0">
-                <a:solidFill>
-                  <a:schemeClr val="dk1"/>
-                </a:solidFill>
-              </a:rPr>
-              <a:t>이메일과 비밀번호를 통한 로그인 성공시 main_page(메인 화면)으로 이동</a:t>
-            </a:r>
-            <a:endParaRPr sz="1400" dirty="0">
-              <a:solidFill>
-                <a:srgbClr val="CC0000"/>
-              </a:solidFill>
-            </a:endParaRPr>
-          </a:p>
-          <a:p>
-            <a:pPr marL="0" lvl="0" indent="0" algn="l" rtl="0">
-              <a:lnSpc>
-                <a:spcPct val="115000"/>
-              </a:lnSpc>
-              <a:spcBef>
-                <a:spcPts val="1200"/>
-              </a:spcBef>
-              <a:spcAft>
-                <a:spcPts val="0"/>
-              </a:spcAft>
-              <a:buNone/>
-            </a:pPr>
-            <a:r>
-              <a:rPr lang="ko" sz="1400" dirty="0">
-                <a:solidFill>
-                  <a:schemeClr val="dk1"/>
-                </a:solidFill>
-              </a:rPr>
-              <a:t>자동로그인 체크박스 활성 시 다음 실행부터 로그인 정보 기억 </a:t>
-            </a:r>
-            <a:endParaRPr sz="1400" dirty="0" smtClean="0">
-              <a:solidFill>
-                <a:srgbClr val="CC0000"/>
-              </a:solidFill>
-            </a:endParaRPr>
-          </a:p>
-          <a:p>
-            <a:pPr marL="0" lvl="0" indent="0" algn="l" rtl="0">
-              <a:lnSpc>
-                <a:spcPct val="115000"/>
-              </a:lnSpc>
-              <a:spcBef>
-                <a:spcPts val="1200"/>
-              </a:spcBef>
-              <a:spcAft>
-                <a:spcPts val="0"/>
-              </a:spcAft>
-              <a:buNone/>
-            </a:pPr>
-            <a:r>
-              <a:rPr lang="ko" sz="1400" dirty="0" smtClean="0">
-                <a:solidFill>
-                  <a:schemeClr val="dk1"/>
-                </a:solidFill>
-              </a:rPr>
-              <a:t>계정이 </a:t>
-            </a:r>
-            <a:r>
-              <a:rPr lang="ko" sz="1400" dirty="0">
-                <a:solidFill>
-                  <a:schemeClr val="dk1"/>
-                </a:solidFill>
-              </a:rPr>
-              <a:t>없다면 회원가입 하기를 통해 signup_screen(회원가입 화면)으로 이동</a:t>
-            </a:r>
-            <a:endParaRPr sz="1400" dirty="0">
-              <a:solidFill>
-                <a:schemeClr val="dk1"/>
-              </a:solidFill>
-            </a:endParaRPr>
-          </a:p>
-          <a:p>
-            <a:pPr marL="0" lvl="0" indent="0" algn="l" rtl="0">
-              <a:lnSpc>
-                <a:spcPct val="115000"/>
-              </a:lnSpc>
-              <a:spcBef>
-                <a:spcPts val="1200"/>
-              </a:spcBef>
-              <a:spcAft>
-                <a:spcPts val="1200"/>
-              </a:spcAft>
-              <a:buNone/>
-            </a:pPr>
-            <a:endParaRPr sz="1400" dirty="0">
-              <a:solidFill>
-                <a:schemeClr val="dk1"/>
-              </a:solidFill>
-            </a:endParaRPr>
-          </a:p>
-        </p:txBody>
-      </p:sp>
-    </p:spTree>
-  </p:cSld>
-  <p:clrMapOvr>
-    <a:masterClrMapping/>
-  </p:clrMapOvr>
-</p:sld>
-</file>
-
-<file path=ppt/slides/slide9.xml><?xml version="1.0" encoding="utf-8"?>
-<p:sld xmlns:a="http://schemas.openxmlformats.org/drawingml/2006/main" xmlns:r="http://schemas.openxmlformats.org/officeDocument/2006/relationships" xmlns:p="http://schemas.openxmlformats.org/presentationml/2006/main">
-  <p:cSld>
-    <p:spTree>
-      <p:nvGrpSpPr>
-        <p:cNvPr id="1" name="Shape 102"/>
-        <p:cNvGrpSpPr/>
-        <p:nvPr/>
-      </p:nvGrpSpPr>
-      <p:grpSpPr>
-        <a:xfrm>
-          <a:off x="0" y="0"/>
-          <a:ext cx="0" cy="0"/>
-          <a:chOff x="0" y="0"/>
-          <a:chExt cx="0" cy="0"/>
-        </a:xfrm>
-      </p:grpSpPr>
-      <p:sp>
-        <p:nvSpPr>
-          <p:cNvPr id="103" name="Google Shape;103;p21"/>
-          <p:cNvSpPr txBox="1">
-            <a:spLocks noGrp="1"/>
-          </p:cNvSpPr>
-          <p:nvPr>
-            <p:ph type="title"/>
-          </p:nvPr>
-        </p:nvSpPr>
-        <p:spPr>
-          <a:xfrm>
-            <a:off x="311700" y="445025"/>
-            <a:ext cx="8520600" cy="572700"/>
-          </a:xfrm>
-          <a:prstGeom prst="rect">
-            <a:avLst/>
-          </a:prstGeom>
-          <a:noFill/>
-          <a:ln>
-            <a:noFill/>
-          </a:ln>
-        </p:spPr>
-        <p:txBody>
-          <a:bodyPr spcFirstLastPara="1" wrap="square" lIns="91425" tIns="91425" rIns="91425" bIns="91425" anchor="t" anchorCtr="0">
-            <a:normAutofit fontScale="90000"/>
-          </a:bodyPr>
-          <a:lstStyle/>
-          <a:p>
-            <a:pPr marL="0" lvl="0" indent="0" algn="l" rtl="0">
-              <a:lnSpc>
-                <a:spcPct val="100000"/>
-              </a:lnSpc>
-              <a:spcBef>
-                <a:spcPts val="0"/>
-              </a:spcBef>
-              <a:spcAft>
-                <a:spcPts val="0"/>
-              </a:spcAft>
-              <a:buSzPct val="111111"/>
-              <a:buNone/>
-            </a:pPr>
-            <a:r>
-              <a:rPr lang="ko"/>
-              <a:t>signup_screen</a:t>
-            </a:r>
-            <a:endParaRPr/>
-          </a:p>
-        </p:txBody>
-      </p:sp>
-      <p:sp>
-        <p:nvSpPr>
-          <p:cNvPr id="104" name="Google Shape;104;p21"/>
-          <p:cNvSpPr txBox="1">
-            <a:spLocks noGrp="1"/>
-          </p:cNvSpPr>
-          <p:nvPr>
-            <p:ph type="body" idx="1"/>
-          </p:nvPr>
-        </p:nvSpPr>
-        <p:spPr>
-          <a:xfrm>
-            <a:off x="311700" y="1152475"/>
-            <a:ext cx="8520600" cy="3416400"/>
-          </a:xfrm>
-          <a:prstGeom prst="rect">
-            <a:avLst/>
-          </a:prstGeom>
-          <a:noFill/>
-          <a:ln>
-            <a:noFill/>
-          </a:ln>
-        </p:spPr>
-        <p:txBody>
-          <a:bodyPr spcFirstLastPara="1" wrap="square" lIns="91425" tIns="91425" rIns="91425" bIns="91425" anchor="t" anchorCtr="0">
-            <a:normAutofit/>
-          </a:bodyPr>
-          <a:lstStyle/>
-          <a:p>
-            <a:pPr marL="0" lvl="0" indent="0" algn="l" rtl="0">
-              <a:lnSpc>
-                <a:spcPct val="115000"/>
-              </a:lnSpc>
-              <a:spcBef>
-                <a:spcPts val="0"/>
-              </a:spcBef>
-              <a:spcAft>
-                <a:spcPts val="0"/>
-              </a:spcAft>
-              <a:buNone/>
-            </a:pPr>
-            <a:r>
-              <a:rPr lang="ko" sz="1400" dirty="0">
-                <a:solidFill>
-                  <a:schemeClr val="dk1"/>
-                </a:solidFill>
-              </a:rPr>
-              <a:t>이메일과 비밀번호를 입력받고 회원가입 버튼을 누르면 Firebase의 서버에 저장됨</a:t>
-            </a:r>
-            <a:endParaRPr sz="1400" dirty="0">
-              <a:solidFill>
-                <a:schemeClr val="dk1"/>
-              </a:solidFill>
-            </a:endParaRPr>
-          </a:p>
-          <a:p>
-            <a:pPr marL="0" lvl="0" indent="0" algn="l" rtl="0">
-              <a:lnSpc>
-                <a:spcPct val="115000"/>
-              </a:lnSpc>
-              <a:spcBef>
-                <a:spcPts val="1200"/>
-              </a:spcBef>
-              <a:spcAft>
-                <a:spcPts val="0"/>
-              </a:spcAft>
-              <a:buNone/>
-            </a:pPr>
-            <a:r>
-              <a:rPr lang="ko" sz="1400" dirty="0">
-                <a:solidFill>
-                  <a:schemeClr val="dk1"/>
-                </a:solidFill>
-              </a:rPr>
-              <a:t>계정이 생성되었다면  계정 생성 완료를 alert창을 통해 </a:t>
-            </a:r>
-            <a:r>
-              <a:rPr lang="ko" sz="1400" dirty="0" smtClean="0">
-                <a:solidFill>
-                  <a:schemeClr val="dk1"/>
-                </a:solidFill>
-              </a:rPr>
-              <a:t>알림</a:t>
-            </a:r>
-            <a:endParaRPr lang="en-US" altLang="ko" sz="1400" dirty="0">
-              <a:solidFill>
-                <a:schemeClr val="dk1"/>
-              </a:solidFill>
-            </a:endParaRPr>
-          </a:p>
-          <a:p>
-            <a:pPr marL="0" lvl="0" indent="0" algn="l" rtl="0">
-              <a:lnSpc>
-                <a:spcPct val="115000"/>
-              </a:lnSpc>
-              <a:spcBef>
-                <a:spcPts val="1200"/>
-              </a:spcBef>
-              <a:spcAft>
-                <a:spcPts val="0"/>
-              </a:spcAft>
-              <a:buNone/>
-            </a:pPr>
-            <a:r>
-              <a:rPr lang="ko" sz="1400" dirty="0" smtClean="0">
-                <a:solidFill>
-                  <a:schemeClr val="dk1"/>
-                </a:solidFill>
-              </a:rPr>
-              <a:t>확인 </a:t>
-            </a:r>
-            <a:r>
-              <a:rPr lang="ko" sz="1400" dirty="0">
-                <a:solidFill>
-                  <a:schemeClr val="dk1"/>
-                </a:solidFill>
-              </a:rPr>
-              <a:t>시 로그인을 위한 login_screen(로그인 화면)으로 이동 됨</a:t>
-            </a:r>
-            <a:endParaRPr sz="1400" dirty="0">
-              <a:solidFill>
-                <a:schemeClr val="dk1"/>
-              </a:solidFill>
-            </a:endParaRPr>
-          </a:p>
-        </p:txBody>
-      </p:sp>
-    </p:spTree>
-  </p:cSld>
-  <p:clrMapOvr>
-    <a:masterClrMapping/>
-  </p:clrMapOvr>
+  <p:timing>
+    <p:tnLst>
+      <p:par>
+        <p:cTn id="1" dur="indefinite" restart="never" nodeType="tmRoot"/>
+      </p:par>
+    </p:tnLst>
+  </p:timing>
 </p:sld>
 </file>
 
